--- a/20190904_PHP2주차.pptx
+++ b/20190904_PHP2주차.pptx
@@ -20,6 +20,9 @@
     <p:sldId id="268" r:id="rId14"/>
     <p:sldId id="269" r:id="rId15"/>
     <p:sldId id="270" r:id="rId16"/>
+    <p:sldId id="271" r:id="rId17"/>
+    <p:sldId id="272" r:id="rId18"/>
+    <p:sldId id="273" r:id="rId19"/>
   </p:sldIdLst>
   <p:sldSz cx="12192000" cy="6858000"/>
   <p:notesSz cx="6858000" cy="9144000"/>
@@ -118,6 +121,11 @@
       </a:defRPr>
     </a:lvl9pPr>
   </p:defaultTextStyle>
+  <p:extLst>
+    <p:ext uri="{EFAFB233-063F-42B5-8137-9DF3F51BA10A}">
+      <p15:sldGuideLst xmlns:p15="http://schemas.microsoft.com/office/powerpoint/2012/main"/>
+    </p:ext>
+  </p:extLst>
 </p:presentation>
 </file>
 
@@ -3887,6 +3895,36 @@
           <a:chExt cx="0" cy="0"/>
         </a:xfrm>
       </p:grpSpPr>
+      <p:pic>
+        <p:nvPicPr>
+          <p:cNvPr id="2" name="그림 1">
+            <a:extLst>
+              <a:ext uri="{FF2B5EF4-FFF2-40B4-BE49-F238E27FC236}">
+                <a16:creationId xmlns:a16="http://schemas.microsoft.com/office/drawing/2014/main" id="{75440152-70BA-4456-AA62-17B8E0104971}"/>
+              </a:ext>
+            </a:extLst>
+          </p:cNvPr>
+          <p:cNvPicPr>
+            <a:picLocks noChangeAspect="1"/>
+          </p:cNvPicPr>
+          <p:nvPr/>
+        </p:nvPicPr>
+        <p:blipFill>
+          <a:blip r:embed="rId2"/>
+          <a:stretch>
+            <a:fillRect/>
+          </a:stretch>
+        </p:blipFill>
+        <p:spPr>
+          <a:xfrm>
+            <a:off x="0" y="907597"/>
+            <a:ext cx="11277600" cy="2038350"/>
+          </a:xfrm>
+          <a:prstGeom prst="rect">
+            <a:avLst/>
+          </a:prstGeom>
+        </p:spPr>
+      </p:pic>
     </p:spTree>
     <p:extLst>
       <p:ext uri="{BB962C8B-B14F-4D97-AF65-F5344CB8AC3E}">
@@ -3917,6 +3955,92 @@
           <a:chExt cx="0" cy="0"/>
         </a:xfrm>
       </p:grpSpPr>
+      <p:sp>
+        <p:nvSpPr>
+          <p:cNvPr id="2" name="TextBox 1">
+            <a:extLst>
+              <a:ext uri="{FF2B5EF4-FFF2-40B4-BE49-F238E27FC236}">
+                <a16:creationId xmlns:a16="http://schemas.microsoft.com/office/drawing/2014/main" id="{62CC31AF-7F7A-400A-A5DB-240CAFBBCD45}"/>
+              </a:ext>
+            </a:extLst>
+          </p:cNvPr>
+          <p:cNvSpPr txBox="1"/>
+          <p:nvPr/>
+        </p:nvSpPr>
+        <p:spPr>
+          <a:xfrm>
+            <a:off x="3135085" y="1320799"/>
+            <a:ext cx="4615543" cy="923330"/>
+          </a:xfrm>
+          <a:prstGeom prst="rect">
+            <a:avLst/>
+          </a:prstGeom>
+          <a:noFill/>
+        </p:spPr>
+        <p:txBody>
+          <a:bodyPr wrap="square" rtlCol="0">
+            <a:spAutoFit/>
+          </a:bodyPr>
+          <a:lstStyle/>
+          <a:p>
+            <a:r>
+              <a:rPr lang="en-US" altLang="ko-KR" dirty="0"/>
+              <a:t>Php</a:t>
+            </a:r>
+            <a:r>
+              <a:rPr lang="ko-KR" altLang="en-US" dirty="0"/>
+              <a:t> </a:t>
+            </a:r>
+            <a:r>
+              <a:rPr lang="en-US" altLang="ko-KR" dirty="0"/>
+              <a:t>–S localhost : 8000 –t ./public</a:t>
+            </a:r>
+          </a:p>
+          <a:p>
+            <a:endParaRPr lang="en-US" altLang="ko-KR" dirty="0"/>
+          </a:p>
+          <a:p>
+            <a:r>
+              <a:rPr lang="ko-KR" altLang="en-US" dirty="0" err="1"/>
+              <a:t>폴더에있는</a:t>
+            </a:r>
+            <a:r>
+              <a:rPr lang="ko-KR" altLang="en-US" dirty="0"/>
+              <a:t> 파일로 서버 시작</a:t>
+            </a:r>
+          </a:p>
+        </p:txBody>
+      </p:sp>
+      <p:pic>
+        <p:nvPicPr>
+          <p:cNvPr id="4" name="그림 3">
+            <a:extLst>
+              <a:ext uri="{FF2B5EF4-FFF2-40B4-BE49-F238E27FC236}">
+                <a16:creationId xmlns:a16="http://schemas.microsoft.com/office/drawing/2014/main" id="{0EE8617A-305B-4312-B3CE-CE7C1A2EEABD}"/>
+              </a:ext>
+            </a:extLst>
+          </p:cNvPr>
+          <p:cNvPicPr>
+            <a:picLocks noChangeAspect="1"/>
+          </p:cNvPicPr>
+          <p:nvPr/>
+        </p:nvPicPr>
+        <p:blipFill>
+          <a:blip r:embed="rId2"/>
+          <a:stretch>
+            <a:fillRect/>
+          </a:stretch>
+        </p:blipFill>
+        <p:spPr>
+          <a:xfrm>
+            <a:off x="1039505" y="2554514"/>
+            <a:ext cx="6346036" cy="4303486"/>
+          </a:xfrm>
+          <a:prstGeom prst="rect">
+            <a:avLst/>
+          </a:prstGeom>
+        </p:spPr>
+      </p:pic>
     </p:spTree>
     <p:extLst>
       <p:ext uri="{BB962C8B-B14F-4D97-AF65-F5344CB8AC3E}">
@@ -3947,10 +4071,261 @@
           <a:chExt cx="0" cy="0"/>
         </a:xfrm>
       </p:grpSpPr>
+      <p:pic>
+        <p:nvPicPr>
+          <p:cNvPr id="2" name="그림 1">
+            <a:extLst>
+              <a:ext uri="{FF2B5EF4-FFF2-40B4-BE49-F238E27FC236}">
+                <a16:creationId xmlns:a16="http://schemas.microsoft.com/office/drawing/2014/main" id="{EA238E78-F2FA-455B-9023-161CC0B34CF0}"/>
+              </a:ext>
+            </a:extLst>
+          </p:cNvPr>
+          <p:cNvPicPr>
+            <a:picLocks noChangeAspect="1"/>
+          </p:cNvPicPr>
+          <p:nvPr/>
+        </p:nvPicPr>
+        <p:blipFill>
+          <a:blip r:embed="rId2"/>
+          <a:stretch>
+            <a:fillRect/>
+          </a:stretch>
+        </p:blipFill>
+        <p:spPr>
+          <a:xfrm>
+            <a:off x="0" y="420913"/>
+            <a:ext cx="7307929" cy="5225143"/>
+          </a:xfrm>
+          <a:prstGeom prst="rect">
+            <a:avLst/>
+          </a:prstGeom>
+        </p:spPr>
+      </p:pic>
     </p:spTree>
     <p:extLst>
       <p:ext uri="{BB962C8B-B14F-4D97-AF65-F5344CB8AC3E}">
         <p14:creationId xmlns:p14="http://schemas.microsoft.com/office/powerpoint/2010/main" val="125899496"/>
+      </p:ext>
+    </p:extLst>
+  </p:cSld>
+  <p:clrMapOvr>
+    <a:masterClrMapping/>
+  </p:clrMapOvr>
+</p:sld>
+</file>
+
+<file path=ppt/slides/slide16.xml><?xml version="1.0" encoding="utf-8"?>
+<p:sld xmlns:a="http://schemas.openxmlformats.org/drawingml/2006/main" xmlns:r="http://schemas.openxmlformats.org/officeDocument/2006/relationships" xmlns:p="http://schemas.openxmlformats.org/presentationml/2006/main">
+  <p:cSld>
+    <p:spTree>
+      <p:nvGrpSpPr>
+        <p:cNvPr id="1" name=""/>
+        <p:cNvGrpSpPr/>
+        <p:nvPr/>
+      </p:nvGrpSpPr>
+      <p:grpSpPr>
+        <a:xfrm>
+          <a:off x="0" y="0"/>
+          <a:ext cx="0" cy="0"/>
+          <a:chOff x="0" y="0"/>
+          <a:chExt cx="0" cy="0"/>
+        </a:xfrm>
+      </p:grpSpPr>
+      <p:pic>
+        <p:nvPicPr>
+          <p:cNvPr id="2" name="그림 1">
+            <a:extLst>
+              <a:ext uri="{FF2B5EF4-FFF2-40B4-BE49-F238E27FC236}">
+                <a16:creationId xmlns:a16="http://schemas.microsoft.com/office/drawing/2014/main" id="{1A9760F2-7C46-4567-B4EA-2E3F209B4C8E}"/>
+              </a:ext>
+            </a:extLst>
+          </p:cNvPr>
+          <p:cNvPicPr>
+            <a:picLocks noChangeAspect="1"/>
+          </p:cNvPicPr>
+          <p:nvPr/>
+        </p:nvPicPr>
+        <p:blipFill>
+          <a:blip r:embed="rId2"/>
+          <a:stretch>
+            <a:fillRect/>
+          </a:stretch>
+        </p:blipFill>
+        <p:spPr>
+          <a:xfrm>
+            <a:off x="224770" y="107118"/>
+            <a:ext cx="8672488" cy="5328482"/>
+          </a:xfrm>
+          <a:prstGeom prst="rect">
+            <a:avLst/>
+          </a:prstGeom>
+        </p:spPr>
+      </p:pic>
+      <p:sp>
+        <p:nvSpPr>
+          <p:cNvPr id="3" name="TextBox 2">
+            <a:extLst>
+              <a:ext uri="{FF2B5EF4-FFF2-40B4-BE49-F238E27FC236}">
+                <a16:creationId xmlns:a16="http://schemas.microsoft.com/office/drawing/2014/main" id="{B5DBC7BE-07BF-40C1-ADAB-BADACC6146C6}"/>
+              </a:ext>
+            </a:extLst>
+          </p:cNvPr>
+          <p:cNvSpPr txBox="1"/>
+          <p:nvPr/>
+        </p:nvSpPr>
+        <p:spPr>
+          <a:xfrm>
+            <a:off x="5638800" y="2619828"/>
+            <a:ext cx="914400" cy="914400"/>
+          </a:xfrm>
+          <a:prstGeom prst="rect">
+            <a:avLst/>
+          </a:prstGeom>
+          <a:noFill/>
+        </p:spPr>
+        <p:txBody>
+          <a:bodyPr wrap="square" rtlCol="0">
+            <a:spAutoFit/>
+          </a:bodyPr>
+          <a:lstStyle/>
+          <a:p>
+            <a:endParaRPr lang="ko-KR" altLang="en-US" dirty="0"/>
+          </a:p>
+        </p:txBody>
+      </p:sp>
+      <p:sp>
+        <p:nvSpPr>
+          <p:cNvPr id="4" name="TextBox 3">
+            <a:extLst>
+              <a:ext uri="{FF2B5EF4-FFF2-40B4-BE49-F238E27FC236}">
+                <a16:creationId xmlns:a16="http://schemas.microsoft.com/office/drawing/2014/main" id="{10D7E2AF-85F0-4F8F-808A-84807B57A9C7}"/>
+              </a:ext>
+            </a:extLst>
+          </p:cNvPr>
+          <p:cNvSpPr txBox="1"/>
+          <p:nvPr/>
+        </p:nvSpPr>
+        <p:spPr>
+          <a:xfrm>
+            <a:off x="10043886" y="3643086"/>
+            <a:ext cx="1824538" cy="369332"/>
+          </a:xfrm>
+          <a:prstGeom prst="rect">
+            <a:avLst/>
+          </a:prstGeom>
+          <a:noFill/>
+        </p:spPr>
+        <p:txBody>
+          <a:bodyPr wrap="none" rtlCol="0">
+            <a:spAutoFit/>
+          </a:bodyPr>
+          <a:lstStyle/>
+          <a:p>
+            <a:r>
+              <a:rPr lang="en-US" altLang="ko-KR" dirty="0"/>
+              <a:t>/ </a:t>
+            </a:r>
+            <a:r>
+              <a:rPr lang="ko-KR" altLang="en-US" dirty="0"/>
+              <a:t>도메인의 시작</a:t>
+            </a:r>
+          </a:p>
+        </p:txBody>
+      </p:sp>
+    </p:spTree>
+    <p:extLst>
+      <p:ext uri="{BB962C8B-B14F-4D97-AF65-F5344CB8AC3E}">
+        <p14:creationId xmlns:p14="http://schemas.microsoft.com/office/powerpoint/2010/main" val="2959633489"/>
+      </p:ext>
+    </p:extLst>
+  </p:cSld>
+  <p:clrMapOvr>
+    <a:masterClrMapping/>
+  </p:clrMapOvr>
+</p:sld>
+</file>
+
+<file path=ppt/slides/slide17.xml><?xml version="1.0" encoding="utf-8"?>
+<p:sld xmlns:a="http://schemas.openxmlformats.org/drawingml/2006/main" xmlns:r="http://schemas.openxmlformats.org/officeDocument/2006/relationships" xmlns:p="http://schemas.openxmlformats.org/presentationml/2006/main">
+  <p:cSld>
+    <p:spTree>
+      <p:nvGrpSpPr>
+        <p:cNvPr id="1" name=""/>
+        <p:cNvGrpSpPr/>
+        <p:nvPr/>
+      </p:nvGrpSpPr>
+      <p:grpSpPr>
+        <a:xfrm>
+          <a:off x="0" y="0"/>
+          <a:ext cx="0" cy="0"/>
+          <a:chOff x="0" y="0"/>
+          <a:chExt cx="0" cy="0"/>
+        </a:xfrm>
+      </p:grpSpPr>
+      <p:pic>
+        <p:nvPicPr>
+          <p:cNvPr id="2" name="그림 1">
+            <a:extLst>
+              <a:ext uri="{FF2B5EF4-FFF2-40B4-BE49-F238E27FC236}">
+                <a16:creationId xmlns:a16="http://schemas.microsoft.com/office/drawing/2014/main" id="{8A80BB66-C1A2-428F-94FE-6B04C35D173D}"/>
+              </a:ext>
+            </a:extLst>
+          </p:cNvPr>
+          <p:cNvPicPr>
+            <a:picLocks noChangeAspect="1"/>
+          </p:cNvPicPr>
+          <p:nvPr/>
+        </p:nvPicPr>
+        <p:blipFill>
+          <a:blip r:embed="rId2"/>
+          <a:stretch>
+            <a:fillRect/>
+          </a:stretch>
+        </p:blipFill>
+        <p:spPr>
+          <a:xfrm>
+            <a:off x="3509962" y="2347912"/>
+            <a:ext cx="5172075" cy="2162175"/>
+          </a:xfrm>
+          <a:prstGeom prst="rect">
+            <a:avLst/>
+          </a:prstGeom>
+        </p:spPr>
+      </p:pic>
+    </p:spTree>
+    <p:extLst>
+      <p:ext uri="{BB962C8B-B14F-4D97-AF65-F5344CB8AC3E}">
+        <p14:creationId xmlns:p14="http://schemas.microsoft.com/office/powerpoint/2010/main" val="2822029616"/>
+      </p:ext>
+    </p:extLst>
+  </p:cSld>
+  <p:clrMapOvr>
+    <a:masterClrMapping/>
+  </p:clrMapOvr>
+</p:sld>
+</file>
+
+<file path=ppt/slides/slide18.xml><?xml version="1.0" encoding="utf-8"?>
+<p:sld xmlns:a="http://schemas.openxmlformats.org/drawingml/2006/main" xmlns:r="http://schemas.openxmlformats.org/officeDocument/2006/relationships" xmlns:p="http://schemas.openxmlformats.org/presentationml/2006/main">
+  <p:cSld>
+    <p:spTree>
+      <p:nvGrpSpPr>
+        <p:cNvPr id="1" name=""/>
+        <p:cNvGrpSpPr/>
+        <p:nvPr/>
+      </p:nvGrpSpPr>
+      <p:grpSpPr>
+        <a:xfrm>
+          <a:off x="0" y="0"/>
+          <a:ext cx="0" cy="0"/>
+          <a:chOff x="0" y="0"/>
+          <a:chExt cx="0" cy="0"/>
+        </a:xfrm>
+      </p:grpSpPr>
+    </p:spTree>
+    <p:extLst>
+      <p:ext uri="{BB962C8B-B14F-4D97-AF65-F5344CB8AC3E}">
+        <p14:creationId xmlns:p14="http://schemas.microsoft.com/office/powerpoint/2010/main" val="2857528970"/>
       </p:ext>
     </p:extLst>
   </p:cSld>

--- a/20190904_PHP2주차.pptx
+++ b/20190904_PHP2주차.pptx
@@ -6,23 +6,23 @@
   </p:sldMasterIdLst>
   <p:sldIdLst>
     <p:sldId id="256" r:id="rId2"/>
-    <p:sldId id="257" r:id="rId3"/>
-    <p:sldId id="258" r:id="rId4"/>
-    <p:sldId id="259" r:id="rId5"/>
-    <p:sldId id="260" r:id="rId6"/>
-    <p:sldId id="261" r:id="rId7"/>
-    <p:sldId id="263" r:id="rId8"/>
-    <p:sldId id="264" r:id="rId9"/>
-    <p:sldId id="265" r:id="rId10"/>
-    <p:sldId id="266" r:id="rId11"/>
-    <p:sldId id="262" r:id="rId12"/>
-    <p:sldId id="267" r:id="rId13"/>
-    <p:sldId id="268" r:id="rId14"/>
-    <p:sldId id="269" r:id="rId15"/>
-    <p:sldId id="270" r:id="rId16"/>
-    <p:sldId id="271" r:id="rId17"/>
-    <p:sldId id="272" r:id="rId18"/>
-    <p:sldId id="273" r:id="rId19"/>
+    <p:sldId id="274" r:id="rId3"/>
+    <p:sldId id="257" r:id="rId4"/>
+    <p:sldId id="258" r:id="rId5"/>
+    <p:sldId id="259" r:id="rId6"/>
+    <p:sldId id="260" r:id="rId7"/>
+    <p:sldId id="261" r:id="rId8"/>
+    <p:sldId id="263" r:id="rId9"/>
+    <p:sldId id="264" r:id="rId10"/>
+    <p:sldId id="265" r:id="rId11"/>
+    <p:sldId id="266" r:id="rId12"/>
+    <p:sldId id="262" r:id="rId13"/>
+    <p:sldId id="267" r:id="rId14"/>
+    <p:sldId id="268" r:id="rId15"/>
+    <p:sldId id="269" r:id="rId16"/>
+    <p:sldId id="270" r:id="rId17"/>
+    <p:sldId id="271" r:id="rId18"/>
+    <p:sldId id="272" r:id="rId19"/>
   </p:sldIdLst>
   <p:sldSz cx="12192000" cy="6858000"/>
   <p:notesSz cx="6858000" cy="9144000"/>
@@ -276,7 +276,7 @@
           <a:p>
             <a:fld id="{0FA4E5FE-229C-4D9F-8978-F3E8CC233105}" type="datetimeFigureOut">
               <a:rPr lang="ko-KR" altLang="en-US" smtClean="0"/>
-              <a:t>2019-09-04</a:t>
+              <a:t>2019-09-07</a:t>
             </a:fld>
             <a:endParaRPr lang="ko-KR" altLang="en-US"/>
           </a:p>
@@ -474,7 +474,7 @@
           <a:p>
             <a:fld id="{0FA4E5FE-229C-4D9F-8978-F3E8CC233105}" type="datetimeFigureOut">
               <a:rPr lang="ko-KR" altLang="en-US" smtClean="0"/>
-              <a:t>2019-09-04</a:t>
+              <a:t>2019-09-07</a:t>
             </a:fld>
             <a:endParaRPr lang="ko-KR" altLang="en-US"/>
           </a:p>
@@ -682,7 +682,7 @@
           <a:p>
             <a:fld id="{0FA4E5FE-229C-4D9F-8978-F3E8CC233105}" type="datetimeFigureOut">
               <a:rPr lang="ko-KR" altLang="en-US" smtClean="0"/>
-              <a:t>2019-09-04</a:t>
+              <a:t>2019-09-07</a:t>
             </a:fld>
             <a:endParaRPr lang="ko-KR" altLang="en-US"/>
           </a:p>
@@ -880,7 +880,7 @@
           <a:p>
             <a:fld id="{0FA4E5FE-229C-4D9F-8978-F3E8CC233105}" type="datetimeFigureOut">
               <a:rPr lang="ko-KR" altLang="en-US" smtClean="0"/>
-              <a:t>2019-09-04</a:t>
+              <a:t>2019-09-07</a:t>
             </a:fld>
             <a:endParaRPr lang="ko-KR" altLang="en-US"/>
           </a:p>
@@ -1155,7 +1155,7 @@
           <a:p>
             <a:fld id="{0FA4E5FE-229C-4D9F-8978-F3E8CC233105}" type="datetimeFigureOut">
               <a:rPr lang="ko-KR" altLang="en-US" smtClean="0"/>
-              <a:t>2019-09-04</a:t>
+              <a:t>2019-09-07</a:t>
             </a:fld>
             <a:endParaRPr lang="ko-KR" altLang="en-US"/>
           </a:p>
@@ -1420,7 +1420,7 @@
           <a:p>
             <a:fld id="{0FA4E5FE-229C-4D9F-8978-F3E8CC233105}" type="datetimeFigureOut">
               <a:rPr lang="ko-KR" altLang="en-US" smtClean="0"/>
-              <a:t>2019-09-04</a:t>
+              <a:t>2019-09-07</a:t>
             </a:fld>
             <a:endParaRPr lang="ko-KR" altLang="en-US"/>
           </a:p>
@@ -1832,7 +1832,7 @@
           <a:p>
             <a:fld id="{0FA4E5FE-229C-4D9F-8978-F3E8CC233105}" type="datetimeFigureOut">
               <a:rPr lang="ko-KR" altLang="en-US" smtClean="0"/>
-              <a:t>2019-09-04</a:t>
+              <a:t>2019-09-07</a:t>
             </a:fld>
             <a:endParaRPr lang="ko-KR" altLang="en-US"/>
           </a:p>
@@ -1973,7 +1973,7 @@
           <a:p>
             <a:fld id="{0FA4E5FE-229C-4D9F-8978-F3E8CC233105}" type="datetimeFigureOut">
               <a:rPr lang="ko-KR" altLang="en-US" smtClean="0"/>
-              <a:t>2019-09-04</a:t>
+              <a:t>2019-09-07</a:t>
             </a:fld>
             <a:endParaRPr lang="ko-KR" altLang="en-US"/>
           </a:p>
@@ -2086,7 +2086,7 @@
           <a:p>
             <a:fld id="{0FA4E5FE-229C-4D9F-8978-F3E8CC233105}" type="datetimeFigureOut">
               <a:rPr lang="ko-KR" altLang="en-US" smtClean="0"/>
-              <a:t>2019-09-04</a:t>
+              <a:t>2019-09-07</a:t>
             </a:fld>
             <a:endParaRPr lang="ko-KR" altLang="en-US"/>
           </a:p>
@@ -2397,7 +2397,7 @@
           <a:p>
             <a:fld id="{0FA4E5FE-229C-4D9F-8978-F3E8CC233105}" type="datetimeFigureOut">
               <a:rPr lang="ko-KR" altLang="en-US" smtClean="0"/>
-              <a:t>2019-09-04</a:t>
+              <a:t>2019-09-07</a:t>
             </a:fld>
             <a:endParaRPr lang="ko-KR" altLang="en-US"/>
           </a:p>
@@ -2685,7 +2685,7 @@
           <a:p>
             <a:fld id="{0FA4E5FE-229C-4D9F-8978-F3E8CC233105}" type="datetimeFigureOut">
               <a:rPr lang="ko-KR" altLang="en-US" smtClean="0"/>
-              <a:t>2019-09-04</a:t>
+              <a:t>2019-09-07</a:t>
             </a:fld>
             <a:endParaRPr lang="ko-KR" altLang="en-US"/>
           </a:p>
@@ -2926,7 +2926,7 @@
           <a:p>
             <a:fld id="{0FA4E5FE-229C-4D9F-8978-F3E8CC233105}" type="datetimeFigureOut">
               <a:rPr lang="ko-KR" altLang="en-US" smtClean="0"/>
-              <a:t>2019-09-04</a:t>
+              <a:t>2019-09-07</a:t>
             </a:fld>
             <a:endParaRPr lang="ko-KR" altLang="en-US"/>
           </a:p>
@@ -3329,6 +3329,14 @@
 <file path=ppt/slides/slide1.xml><?xml version="1.0" encoding="utf-8"?>
 <p:sld xmlns:a="http://schemas.openxmlformats.org/drawingml/2006/main" xmlns:r="http://schemas.openxmlformats.org/officeDocument/2006/relationships" xmlns:p="http://schemas.openxmlformats.org/presentationml/2006/main">
   <p:cSld>
+    <p:bg>
+      <p:bgPr>
+        <a:solidFill>
+          <a:schemeClr val="bg1"/>
+        </a:solidFill>
+        <a:effectLst/>
+      </p:bgPr>
+    </p:bg>
     <p:spTree>
       <p:nvGrpSpPr>
         <p:cNvPr id="1" name=""/>
@@ -3343,36 +3351,292 @@
           <a:chExt cx="0" cy="0"/>
         </a:xfrm>
       </p:grpSpPr>
-      <p:pic>
-        <p:nvPicPr>
-          <p:cNvPr id="4" name="그림 3">
-            <a:extLst>
-              <a:ext uri="{FF2B5EF4-FFF2-40B4-BE49-F238E27FC236}">
-                <a16:creationId xmlns:a16="http://schemas.microsoft.com/office/drawing/2014/main" id="{7A5DDA22-D369-44D0-A679-0AC8013C67A0}"/>
-              </a:ext>
-            </a:extLst>
-          </p:cNvPr>
-          <p:cNvPicPr>
-            <a:picLocks noChangeAspect="1"/>
-          </p:cNvPicPr>
-          <p:nvPr/>
-        </p:nvPicPr>
-        <p:blipFill>
-          <a:blip r:embed="rId2"/>
-          <a:stretch>
-            <a:fillRect/>
-          </a:stretch>
-        </p:blipFill>
-        <p:spPr>
-          <a:xfrm>
-            <a:off x="3352800" y="1466850"/>
-            <a:ext cx="5486400" cy="3924300"/>
+      <p:sp>
+        <p:nvSpPr>
+          <p:cNvPr id="18" name="Rectangle 17">
+            <a:extLst>
+              <a:ext uri="{FF2B5EF4-FFF2-40B4-BE49-F238E27FC236}">
+                <a16:creationId xmlns:a16="http://schemas.microsoft.com/office/drawing/2014/main" id="{D8386171-E87D-46AB-8718-4CE2A88748BD}"/>
+              </a:ext>
+              <a:ext uri="{C183D7F6-B498-43B3-948B-1728B52AA6E4}">
+                <adec:decorative xmlns:adec="http://schemas.microsoft.com/office/drawing/2017/decorative" val="1"/>
+              </a:ext>
+            </a:extLst>
+          </p:cNvPr>
+          <p:cNvSpPr>
+            <a:spLocks noGrp="1" noRot="1" noChangeAspect="1" noMove="1" noResize="1" noEditPoints="1" noAdjustHandles="1" noChangeArrowheads="1" noChangeShapeType="1" noTextEdit="1"/>
+          </p:cNvSpPr>
+          <p:nvPr>
+            <p:extLst>
+              <p:ext uri="{386F3935-93C4-4BCD-93E2-E3B085C9AB24}">
+                <p16:designElem xmlns:p16="http://schemas.microsoft.com/office/powerpoint/2015/main" val="1"/>
+              </p:ext>
+            </p:extLst>
+          </p:nvPr>
+        </p:nvSpPr>
+        <p:spPr>
+          <a:xfrm>
+            <a:off x="0" y="0"/>
+            <a:ext cx="12192000" cy="6858000"/>
           </a:xfrm>
           <a:prstGeom prst="rect">
             <a:avLst/>
           </a:prstGeom>
-        </p:spPr>
-      </p:pic>
+          <a:solidFill>
+            <a:srgbClr val="C8CACA"/>
+          </a:solidFill>
+          <a:ln>
+            <a:noFill/>
+          </a:ln>
+        </p:spPr>
+        <p:style>
+          <a:lnRef idx="2">
+            <a:schemeClr val="accent1">
+              <a:shade val="50000"/>
+            </a:schemeClr>
+          </a:lnRef>
+          <a:fillRef idx="1">
+            <a:schemeClr val="accent1"/>
+          </a:fillRef>
+          <a:effectRef idx="0">
+            <a:schemeClr val="accent1"/>
+          </a:effectRef>
+          <a:fontRef idx="minor">
+            <a:schemeClr val="lt1"/>
+          </a:fontRef>
+        </p:style>
+        <p:txBody>
+          <a:bodyPr rtlCol="0" anchor="ctr"/>
+          <a:lstStyle/>
+          <a:p>
+            <a:pPr algn="ctr"/>
+            <a:endParaRPr lang="en-US"/>
+          </a:p>
+        </p:txBody>
+      </p:sp>
+      <p:sp>
+        <p:nvSpPr>
+          <p:cNvPr id="20" name="Rounded Rectangle 26">
+            <a:extLst>
+              <a:ext uri="{FF2B5EF4-FFF2-40B4-BE49-F238E27FC236}">
+                <a16:creationId xmlns:a16="http://schemas.microsoft.com/office/drawing/2014/main" id="{207CB456-8849-413C-8210-B663779A32E0}"/>
+              </a:ext>
+              <a:ext uri="{C183D7F6-B498-43B3-948B-1728B52AA6E4}">
+                <adec:decorative xmlns:adec="http://schemas.microsoft.com/office/drawing/2017/decorative" val="1"/>
+              </a:ext>
+            </a:extLst>
+          </p:cNvPr>
+          <p:cNvSpPr>
+            <a:spLocks noGrp="1" noRot="1" noChangeAspect="1" noMove="1" noResize="1" noEditPoints="1" noAdjustHandles="1" noChangeArrowheads="1" noChangeShapeType="1" noTextEdit="1"/>
+          </p:cNvSpPr>
+          <p:nvPr>
+            <p:extLst>
+              <p:ext uri="{386F3935-93C4-4BCD-93E2-E3B085C9AB24}">
+                <p16:designElem xmlns:p16="http://schemas.microsoft.com/office/powerpoint/2015/main" val="1"/>
+              </p:ext>
+            </p:extLst>
+          </p:nvPr>
+        </p:nvSpPr>
+        <p:spPr>
+          <a:xfrm>
+            <a:off x="646745" y="640080"/>
+            <a:ext cx="10920415" cy="5577818"/>
+          </a:xfrm>
+          <a:prstGeom prst="roundRect">
+            <a:avLst>
+              <a:gd name="adj" fmla="val 0"/>
+            </a:avLst>
+          </a:prstGeom>
+          <a:solidFill>
+            <a:srgbClr val="FFFFFF"/>
+          </a:solidFill>
+          <a:ln w="9525">
+            <a:solidFill>
+              <a:srgbClr val="C8CACA"/>
+            </a:solidFill>
+          </a:ln>
+          <a:effectLst>
+            <a:outerShdw blurRad="57150" dist="19050" dir="5400000" algn="t" rotWithShape="0">
+              <a:prstClr val="black">
+                <a:alpha val="63000"/>
+              </a:prstClr>
+            </a:outerShdw>
+          </a:effectLst>
+        </p:spPr>
+        <p:style>
+          <a:lnRef idx="2">
+            <a:schemeClr val="accent1">
+              <a:shade val="50000"/>
+            </a:schemeClr>
+          </a:lnRef>
+          <a:fillRef idx="1">
+            <a:schemeClr val="accent1"/>
+          </a:fillRef>
+          <a:effectRef idx="0">
+            <a:schemeClr val="accent1"/>
+          </a:effectRef>
+          <a:fontRef idx="minor">
+            <a:schemeClr val="lt1"/>
+          </a:fontRef>
+        </p:style>
+        <p:txBody>
+          <a:bodyPr rtlCol="0" anchor="ctr"/>
+          <a:lstStyle/>
+          <a:p>
+            <a:pPr algn="ctr"/>
+            <a:endParaRPr lang="en-US"/>
+          </a:p>
+        </p:txBody>
+      </p:sp>
+      <p:sp>
+        <p:nvSpPr>
+          <p:cNvPr id="22" name="Rectangle 21">
+            <a:extLst>
+              <a:ext uri="{FF2B5EF4-FFF2-40B4-BE49-F238E27FC236}">
+                <a16:creationId xmlns:a16="http://schemas.microsoft.com/office/drawing/2014/main" id="{E513936D-D1EB-4E42-A97F-942BA1F3DFA7}"/>
+              </a:ext>
+              <a:ext uri="{C183D7F6-B498-43B3-948B-1728B52AA6E4}">
+                <adec:decorative xmlns:adec="http://schemas.microsoft.com/office/drawing/2017/decorative" val="1"/>
+              </a:ext>
+            </a:extLst>
+          </p:cNvPr>
+          <p:cNvSpPr>
+            <a:spLocks noGrp="1" noRot="1" noChangeAspect="1" noMove="1" noResize="1" noEditPoints="1" noAdjustHandles="1" noChangeArrowheads="1" noChangeShapeType="1" noTextEdit="1"/>
+          </p:cNvSpPr>
+          <p:nvPr>
+            <p:extLst>
+              <p:ext uri="{386F3935-93C4-4BCD-93E2-E3B085C9AB24}">
+                <p16:designElem xmlns:p16="http://schemas.microsoft.com/office/powerpoint/2015/main" val="1"/>
+              </p:ext>
+            </p:extLst>
+          </p:nvPr>
+        </p:nvSpPr>
+        <p:spPr>
+          <a:xfrm>
+            <a:off x="968024" y="960109"/>
+            <a:ext cx="10277856" cy="4937760"/>
+          </a:xfrm>
+          <a:prstGeom prst="rect">
+            <a:avLst/>
+          </a:prstGeom>
+          <a:solidFill>
+            <a:schemeClr val="bg2"/>
+          </a:solidFill>
+          <a:ln>
+            <a:noFill/>
+          </a:ln>
+        </p:spPr>
+        <p:style>
+          <a:lnRef idx="2">
+            <a:schemeClr val="accent1">
+              <a:shade val="50000"/>
+            </a:schemeClr>
+          </a:lnRef>
+          <a:fillRef idx="1">
+            <a:schemeClr val="accent1"/>
+          </a:fillRef>
+          <a:effectRef idx="0">
+            <a:schemeClr val="accent1"/>
+          </a:effectRef>
+          <a:fontRef idx="minor">
+            <a:schemeClr val="lt1"/>
+          </a:fontRef>
+        </p:style>
+        <p:txBody>
+          <a:bodyPr rtlCol="0" anchor="ctr"/>
+          <a:lstStyle/>
+          <a:p>
+            <a:pPr algn="ctr"/>
+            <a:endParaRPr lang="en-US"/>
+          </a:p>
+        </p:txBody>
+      </p:sp>
+      <p:sp>
+        <p:nvSpPr>
+          <p:cNvPr id="2" name="제목 1">
+            <a:extLst>
+              <a:ext uri="{FF2B5EF4-FFF2-40B4-BE49-F238E27FC236}">
+                <a16:creationId xmlns:a16="http://schemas.microsoft.com/office/drawing/2014/main" id="{796D9472-FBD5-43C4-B9E7-27A78618879D}"/>
+              </a:ext>
+            </a:extLst>
+          </p:cNvPr>
+          <p:cNvSpPr>
+            <a:spLocks noGrp="1"/>
+          </p:cNvSpPr>
+          <p:nvPr>
+            <p:ph type="ctrTitle"/>
+          </p:nvPr>
+        </p:nvSpPr>
+        <p:spPr>
+          <a:xfrm>
+            <a:off x="1524000" y="1376362"/>
+            <a:ext cx="9144000" cy="2603274"/>
+          </a:xfrm>
+        </p:spPr>
+        <p:txBody>
+          <a:bodyPr>
+            <a:normAutofit/>
+          </a:bodyPr>
+          <a:lstStyle/>
+          <a:p>
+            <a:r>
+              <a:rPr lang="en-US" altLang="ko-KR" sz="5400"/>
+              <a:t>PHP</a:t>
+            </a:r>
+            <a:r>
+              <a:rPr lang="ko-KR" altLang="en-US" sz="5400"/>
+              <a:t> </a:t>
+            </a:r>
+            <a:r>
+              <a:rPr lang="en-US" altLang="ko-KR" sz="5400"/>
+              <a:t>2</a:t>
+            </a:r>
+            <a:r>
+              <a:rPr lang="ko-KR" altLang="en-US" sz="5400"/>
+              <a:t>주차</a:t>
+            </a:r>
+          </a:p>
+        </p:txBody>
+      </p:sp>
+      <p:sp>
+        <p:nvSpPr>
+          <p:cNvPr id="3" name="부제목 2">
+            <a:extLst>
+              <a:ext uri="{FF2B5EF4-FFF2-40B4-BE49-F238E27FC236}">
+                <a16:creationId xmlns:a16="http://schemas.microsoft.com/office/drawing/2014/main" id="{4DCBFEA3-9170-4284-90E2-5E122B99FFC5}"/>
+              </a:ext>
+            </a:extLst>
+          </p:cNvPr>
+          <p:cNvSpPr>
+            <a:spLocks noGrp="1"/>
+          </p:cNvSpPr>
+          <p:nvPr>
+            <p:ph type="subTitle" idx="1"/>
+          </p:nvPr>
+        </p:nvSpPr>
+        <p:spPr>
+          <a:xfrm>
+            <a:off x="1524000" y="4118088"/>
+            <a:ext cx="9144000" cy="1393711"/>
+          </a:xfrm>
+        </p:spPr>
+        <p:txBody>
+          <a:bodyPr>
+            <a:normAutofit/>
+          </a:bodyPr>
+          <a:lstStyle/>
+          <a:p>
+            <a:r>
+              <a:rPr lang="en-US" altLang="ko-KR"/>
+              <a:t>201640125_</a:t>
+            </a:r>
+            <a:r>
+              <a:rPr lang="ko-KR" altLang="en-US"/>
+              <a:t>엄인섭</a:t>
+            </a:r>
+          </a:p>
+        </p:txBody>
+      </p:sp>
     </p:spTree>
     <p:extLst>
       <p:ext uri="{BB962C8B-B14F-4D97-AF65-F5344CB8AC3E}">
@@ -3408,7 +3672,7 @@
           <p:cNvPr id="2" name="그림 1">
             <a:extLst>
               <a:ext uri="{FF2B5EF4-FFF2-40B4-BE49-F238E27FC236}">
-                <a16:creationId xmlns:a16="http://schemas.microsoft.com/office/drawing/2014/main" id="{1409F2D5-9748-4550-A54B-8DF3474CDAAB}"/>
+                <a16:creationId xmlns:a16="http://schemas.microsoft.com/office/drawing/2014/main" id="{D78F11FE-5704-488A-8CE8-FF711489BFC5}"/>
               </a:ext>
             </a:extLst>
           </p:cNvPr>
@@ -3425,8 +3689,8 @@
         </p:blipFill>
         <p:spPr>
           <a:xfrm>
-            <a:off x="-124042" y="81920"/>
-            <a:ext cx="8172155" cy="3804279"/>
+            <a:off x="0" y="0"/>
+            <a:ext cx="12192000" cy="5012061"/>
           </a:xfrm>
           <a:prstGeom prst="rect">
             <a:avLst/>
@@ -3438,7 +3702,7 @@
           <p:cNvPr id="3" name="TextBox 2">
             <a:extLst>
               <a:ext uri="{FF2B5EF4-FFF2-40B4-BE49-F238E27FC236}">
-                <a16:creationId xmlns:a16="http://schemas.microsoft.com/office/drawing/2014/main" id="{369BEE4C-1964-40AE-8DF5-8696CB47810A}"/>
+                <a16:creationId xmlns:a16="http://schemas.microsoft.com/office/drawing/2014/main" id="{647FC2B0-114A-464F-97E2-8B13C56F5803}"/>
               </a:ext>
             </a:extLst>
           </p:cNvPr>
@@ -3447,8 +3711,8 @@
         </p:nvSpPr>
         <p:spPr>
           <a:xfrm>
-            <a:off x="374281" y="4145869"/>
-            <a:ext cx="7673832" cy="923330"/>
+            <a:off x="3273397" y="5290079"/>
+            <a:ext cx="4834978" cy="923330"/>
           </a:xfrm>
           <a:prstGeom prst="rect">
             <a:avLst/>
@@ -3462,16 +3726,21 @@
           <a:lstStyle/>
           <a:p>
             <a:r>
+              <a:rPr lang="ko-KR" altLang="en-US" dirty="0"/>
+              <a:t>파일을 읽어서 사용 할 수 있다</a:t>
+            </a:r>
+            <a:r>
               <a:rPr lang="en-US" altLang="ko-KR" dirty="0"/>
-              <a:t>$body =</a:t>
-            </a:r>
-            <a:r>
-              <a:rPr lang="en-US" altLang="ko-KR" dirty="0" err="1"/>
-              <a:t>str_replace</a:t>
-            </a:r>
+              <a:t>.</a:t>
+            </a:r>
+          </a:p>
+          <a:p>
+            <a:endParaRPr lang="en-US" altLang="ko-KR" dirty="0"/>
+          </a:p>
+          <a:p>
             <a:r>
               <a:rPr lang="en-US" altLang="ko-KR" dirty="0"/>
-              <a:t>("{{</a:t>
+              <a:t>{{{</a:t>
             </a:r>
             <a:r>
               <a:rPr lang="en-US" altLang="ko-KR" dirty="0" err="1"/>
@@ -3479,162 +3748,39 @@
             </a:r>
             <a:r>
               <a:rPr lang="en-US" altLang="ko-KR" dirty="0"/>
-              <a:t>}}","</a:t>
+              <a:t>}}}</a:t>
             </a:r>
             <a:r>
               <a:rPr lang="ko-KR" altLang="en-US" dirty="0"/>
-              <a:t>대남이</a:t>
-            </a:r>
-            <a:r>
-              <a:rPr lang="en-US" altLang="ko-KR" dirty="0"/>
-              <a:t>", $body);</a:t>
-            </a:r>
-          </a:p>
-          <a:p>
-            <a:endParaRPr lang="en-US" altLang="ko-KR" dirty="0"/>
-          </a:p>
-          <a:p>
-            <a:r>
-              <a:rPr lang="en-US" altLang="ko-KR" dirty="0" err="1"/>
-              <a:t>Str_replace</a:t>
-            </a:r>
-            <a:r>
-              <a:rPr lang="en-US" altLang="ko-KR" dirty="0"/>
-              <a:t>  “{{</a:t>
-            </a:r>
-            <a:r>
-              <a:rPr lang="en-US" altLang="ko-KR" dirty="0" err="1"/>
-              <a:t>daelim</a:t>
-            </a:r>
-            <a:r>
-              <a:rPr lang="en-US" altLang="ko-KR" dirty="0"/>
-              <a:t>}}” </a:t>
+              <a:t> </a:t>
+            </a:r>
+            <a:r>
+              <a:rPr lang="ko-KR" altLang="en-US" dirty="0" err="1"/>
+              <a:t>이중중괄호</a:t>
             </a:r>
             <a:r>
               <a:rPr lang="ko-KR" altLang="en-US" dirty="0"/>
-              <a:t>을 찾아서 </a:t>
-            </a:r>
-            <a:r>
-              <a:rPr lang="en-US" altLang="ko-KR" dirty="0"/>
-              <a:t>“”</a:t>
+              <a:t> </a:t>
+            </a:r>
+            <a:r>
+              <a:rPr lang="ko-KR" altLang="en-US" dirty="0" err="1"/>
+              <a:t>워시태그라고</a:t>
             </a:r>
             <a:r>
               <a:rPr lang="ko-KR" altLang="en-US" dirty="0"/>
-              <a:t>대남이로</a:t>
-            </a:r>
-            <a:r>
-              <a:rPr lang="en-US" altLang="ko-KR" dirty="0"/>
-              <a:t> </a:t>
-            </a:r>
-            <a:r>
-              <a:rPr lang="ko-KR" altLang="en-US" dirty="0"/>
-              <a:t>변경</a:t>
-            </a:r>
-            <a:r>
-              <a:rPr lang="en-US" altLang="ko-KR" dirty="0"/>
-              <a:t>” </a:t>
-            </a:r>
-            <a:r>
-              <a:rPr lang="ko-KR" altLang="en-US" dirty="0"/>
-              <a:t>해서 변수에 넣는다</a:t>
+              <a:t> 부른다</a:t>
             </a:r>
             <a:r>
               <a:rPr lang="en-US" altLang="ko-KR" dirty="0"/>
               <a:t>.</a:t>
             </a:r>
-            <a:endParaRPr lang="ko-KR" altLang="en-US" dirty="0"/>
-          </a:p>
-        </p:txBody>
-      </p:sp>
-      <p:sp>
-        <p:nvSpPr>
-          <p:cNvPr id="4" name="TextBox 3">
-            <a:extLst>
-              <a:ext uri="{FF2B5EF4-FFF2-40B4-BE49-F238E27FC236}">
-                <a16:creationId xmlns:a16="http://schemas.microsoft.com/office/drawing/2014/main" id="{CCE9B237-0189-40A1-81FC-471F19D50582}"/>
-              </a:ext>
-            </a:extLst>
-          </p:cNvPr>
-          <p:cNvSpPr txBox="1"/>
-          <p:nvPr/>
-        </p:nvSpPr>
-        <p:spPr>
-          <a:xfrm>
-            <a:off x="374281" y="5532120"/>
-            <a:ext cx="5176353" cy="1477328"/>
-          </a:xfrm>
-          <a:prstGeom prst="rect">
-            <a:avLst/>
-          </a:prstGeom>
-          <a:noFill/>
-        </p:spPr>
-        <p:txBody>
-          <a:bodyPr wrap="none" rtlCol="0">
-            <a:spAutoFit/>
-          </a:bodyPr>
-          <a:lstStyle/>
-          <a:p>
-            <a:r>
-              <a:rPr lang="en-US" altLang="ko-KR" dirty="0"/>
-              <a:t>$name= "</a:t>
-            </a:r>
-            <a:r>
-              <a:rPr lang="ko-KR" altLang="en-US" dirty="0"/>
-              <a:t>대남이 짱</a:t>
-            </a:r>
-            <a:r>
-              <a:rPr lang="en-US" altLang="ko-KR" dirty="0"/>
-              <a:t>";</a:t>
-            </a:r>
-          </a:p>
-          <a:p>
-            <a:r>
-              <a:rPr lang="en-US" altLang="ko-KR" dirty="0"/>
-              <a:t>$body =</a:t>
-            </a:r>
-            <a:r>
-              <a:rPr lang="en-US" altLang="ko-KR" dirty="0" err="1"/>
-              <a:t>str_replace</a:t>
-            </a:r>
-            <a:r>
-              <a:rPr lang="en-US" altLang="ko-KR" dirty="0"/>
-              <a:t>("{{</a:t>
-            </a:r>
-            <a:r>
-              <a:rPr lang="en-US" altLang="ko-KR" dirty="0" err="1"/>
-              <a:t>daelim</a:t>
-            </a:r>
-            <a:r>
-              <a:rPr lang="en-US" altLang="ko-KR" dirty="0"/>
-              <a:t>}}",$name, $body); </a:t>
-            </a:r>
-          </a:p>
-          <a:p>
-            <a:endParaRPr lang="en-US" altLang="ko-KR" dirty="0"/>
-          </a:p>
-          <a:p>
-            <a:r>
-              <a:rPr lang="ko-KR" altLang="en-US" dirty="0" err="1"/>
-              <a:t>처럼</a:t>
-            </a:r>
-            <a:r>
-              <a:rPr lang="ko-KR" altLang="en-US" dirty="0"/>
-              <a:t> 사용 할 수 있다</a:t>
-            </a:r>
-            <a:r>
-              <a:rPr lang="en-US" altLang="ko-KR" dirty="0"/>
-              <a:t>.</a:t>
-            </a:r>
-          </a:p>
-          <a:p>
-            <a:endParaRPr lang="ko-KR" altLang="en-US" dirty="0"/>
           </a:p>
         </p:txBody>
       </p:sp>
     </p:spTree>
     <p:extLst>
       <p:ext uri="{BB962C8B-B14F-4D97-AF65-F5344CB8AC3E}">
-        <p14:creationId xmlns:p14="http://schemas.microsoft.com/office/powerpoint/2010/main" val="3602396084"/>
+        <p14:creationId xmlns:p14="http://schemas.microsoft.com/office/powerpoint/2010/main" val="723310760"/>
       </p:ext>
     </p:extLst>
   </p:cSld>
@@ -3666,7 +3812,7 @@
           <p:cNvPr id="2" name="그림 1">
             <a:extLst>
               <a:ext uri="{FF2B5EF4-FFF2-40B4-BE49-F238E27FC236}">
-                <a16:creationId xmlns:a16="http://schemas.microsoft.com/office/drawing/2014/main" id="{A4C3FDF9-E7DA-43F2-8734-4F402615DC77}"/>
+                <a16:creationId xmlns:a16="http://schemas.microsoft.com/office/drawing/2014/main" id="{1409F2D5-9748-4550-A54B-8DF3474CDAAB}"/>
               </a:ext>
             </a:extLst>
           </p:cNvPr>
@@ -3683,8 +3829,8 @@
         </p:blipFill>
         <p:spPr>
           <a:xfrm>
-            <a:off x="0" y="366797"/>
-            <a:ext cx="12192000" cy="3320245"/>
+            <a:off x="-124042" y="81920"/>
+            <a:ext cx="9569883" cy="3804279"/>
           </a:xfrm>
           <a:prstGeom prst="rect">
             <a:avLst/>
@@ -3696,7 +3842,7 @@
           <p:cNvPr id="3" name="TextBox 2">
             <a:extLst>
               <a:ext uri="{FF2B5EF4-FFF2-40B4-BE49-F238E27FC236}">
-                <a16:creationId xmlns:a16="http://schemas.microsoft.com/office/drawing/2014/main" id="{FC5A6FAB-F19B-4511-B67B-7FD75444E9F4}"/>
+                <a16:creationId xmlns:a16="http://schemas.microsoft.com/office/drawing/2014/main" id="{369BEE4C-1964-40AE-8DF5-8696CB47810A}"/>
               </a:ext>
             </a:extLst>
           </p:cNvPr>
@@ -3705,8 +3851,8 @@
         </p:nvSpPr>
         <p:spPr>
           <a:xfrm>
-            <a:off x="2438400" y="4419600"/>
-            <a:ext cx="2301240" cy="1200329"/>
+            <a:off x="374281" y="4145869"/>
+            <a:ext cx="7673832" cy="923330"/>
           </a:xfrm>
           <a:prstGeom prst="rect">
             <a:avLst/>
@@ -3714,49 +3860,177 @@
           <a:noFill/>
         </p:spPr>
         <p:txBody>
-          <a:bodyPr wrap="square" rtlCol="0">
+          <a:bodyPr wrap="none" rtlCol="0">
             <a:spAutoFit/>
           </a:bodyPr>
           <a:lstStyle/>
           <a:p>
             <a:r>
+              <a:rPr lang="en-US" altLang="ko-KR" dirty="0"/>
+              <a:t>$body =</a:t>
+            </a:r>
+            <a:r>
               <a:rPr lang="en-US" altLang="ko-KR" dirty="0" err="1"/>
-              <a:t>Url</a:t>
+              <a:t>str_replace</a:t>
+            </a:r>
+            <a:r>
+              <a:rPr lang="en-US" altLang="ko-KR" dirty="0"/>
+              <a:t>("{{</a:t>
+            </a:r>
+            <a:r>
+              <a:rPr lang="en-US" altLang="ko-KR" dirty="0" err="1"/>
+              <a:t>daelim</a:t>
+            </a:r>
+            <a:r>
+              <a:rPr lang="en-US" altLang="ko-KR" dirty="0"/>
+              <a:t>}}","</a:t>
+            </a:r>
+            <a:r>
+              <a:rPr lang="ko-KR" altLang="en-US" dirty="0"/>
+              <a:t>대남이</a:t>
+            </a:r>
+            <a:r>
+              <a:rPr lang="en-US" altLang="ko-KR" dirty="0"/>
+              <a:t>", $body);</a:t>
+            </a:r>
+          </a:p>
+          <a:p>
+            <a:endParaRPr lang="en-US" altLang="ko-KR" dirty="0"/>
+          </a:p>
+          <a:p>
+            <a:r>
+              <a:rPr lang="en-US" altLang="ko-KR" dirty="0" err="1"/>
+              <a:t>Str_replace</a:t>
+            </a:r>
+            <a:r>
+              <a:rPr lang="en-US" altLang="ko-KR" dirty="0"/>
+              <a:t>  “{{</a:t>
+            </a:r>
+            <a:r>
+              <a:rPr lang="en-US" altLang="ko-KR" dirty="0" err="1"/>
+              <a:t>daelim</a:t>
+            </a:r>
+            <a:r>
+              <a:rPr lang="en-US" altLang="ko-KR" dirty="0"/>
+              <a:t>}}” </a:t>
+            </a:r>
+            <a:r>
+              <a:rPr lang="ko-KR" altLang="en-US" dirty="0"/>
+              <a:t>을 찾아서 </a:t>
+            </a:r>
+            <a:r>
+              <a:rPr lang="en-US" altLang="ko-KR" dirty="0"/>
+              <a:t>“”</a:t>
+            </a:r>
+            <a:r>
+              <a:rPr lang="ko-KR" altLang="en-US" dirty="0"/>
+              <a:t>대남이로</a:t>
             </a:r>
             <a:r>
               <a:rPr lang="en-US" altLang="ko-KR" dirty="0"/>
               <a:t> </a:t>
             </a:r>
             <a:r>
-              <a:rPr lang="ko-KR" altLang="en-US" dirty="0" err="1"/>
-              <a:t>커리스트링</a:t>
-            </a:r>
-            <a:r>
               <a:rPr lang="ko-KR" altLang="en-US" dirty="0"/>
-              <a:t> </a:t>
-            </a:r>
-            <a:endParaRPr lang="en-US" altLang="ko-KR" dirty="0"/>
-          </a:p>
-          <a:p>
-            <a:endParaRPr lang="en-US" altLang="ko-KR" dirty="0"/>
-          </a:p>
-          <a:p>
-            <a:r>
-              <a:rPr lang="en-US" altLang="ko-KR" dirty="0" err="1"/>
-              <a:t>Url</a:t>
-            </a:r>
-            <a:r>
-              <a:rPr lang="ko-KR" altLang="en-US" dirty="0" err="1"/>
-              <a:t>을통해</a:t>
+              <a:t>변경</a:t>
+            </a:r>
+            <a:r>
+              <a:rPr lang="en-US" altLang="ko-KR" dirty="0"/>
+              <a:t>” </a:t>
             </a:r>
             <a:r>
               <a:rPr lang="ko-KR" altLang="en-US" dirty="0"/>
-              <a:t> 값을 전달한다</a:t>
+              <a:t>해서 변수에 넣는다</a:t>
             </a:r>
             <a:r>
               <a:rPr lang="en-US" altLang="ko-KR" dirty="0"/>
               <a:t>.</a:t>
             </a:r>
+            <a:endParaRPr lang="ko-KR" altLang="en-US" dirty="0"/>
+          </a:p>
+        </p:txBody>
+      </p:sp>
+      <p:sp>
+        <p:nvSpPr>
+          <p:cNvPr id="4" name="TextBox 3">
+            <a:extLst>
+              <a:ext uri="{FF2B5EF4-FFF2-40B4-BE49-F238E27FC236}">
+                <a16:creationId xmlns:a16="http://schemas.microsoft.com/office/drawing/2014/main" id="{CCE9B237-0189-40A1-81FC-471F19D50582}"/>
+              </a:ext>
+            </a:extLst>
+          </p:cNvPr>
+          <p:cNvSpPr txBox="1"/>
+          <p:nvPr/>
+        </p:nvSpPr>
+        <p:spPr>
+          <a:xfrm>
+            <a:off x="374281" y="5532120"/>
+            <a:ext cx="5176353" cy="1477328"/>
+          </a:xfrm>
+          <a:prstGeom prst="rect">
+            <a:avLst/>
+          </a:prstGeom>
+          <a:noFill/>
+        </p:spPr>
+        <p:txBody>
+          <a:bodyPr wrap="none" rtlCol="0">
+            <a:spAutoFit/>
+          </a:bodyPr>
+          <a:lstStyle/>
+          <a:p>
+            <a:r>
+              <a:rPr lang="en-US" altLang="ko-KR" dirty="0"/>
+              <a:t>$name= "</a:t>
+            </a:r>
+            <a:r>
+              <a:rPr lang="ko-KR" altLang="en-US" dirty="0"/>
+              <a:t>대남이 짱</a:t>
+            </a:r>
+            <a:r>
+              <a:rPr lang="en-US" altLang="ko-KR" dirty="0"/>
+              <a:t>";</a:t>
+            </a:r>
+          </a:p>
+          <a:p>
+            <a:r>
+              <a:rPr lang="en-US" altLang="ko-KR" dirty="0"/>
+              <a:t>$body =</a:t>
+            </a:r>
+            <a:r>
+              <a:rPr lang="en-US" altLang="ko-KR" dirty="0" err="1"/>
+              <a:t>str_replace</a:t>
+            </a:r>
+            <a:r>
+              <a:rPr lang="en-US" altLang="ko-KR" dirty="0"/>
+              <a:t>("{{</a:t>
+            </a:r>
+            <a:r>
+              <a:rPr lang="en-US" altLang="ko-KR" dirty="0" err="1"/>
+              <a:t>daelim</a:t>
+            </a:r>
+            <a:r>
+              <a:rPr lang="en-US" altLang="ko-KR" dirty="0"/>
+              <a:t>}}",$name, $body); </a:t>
+            </a:r>
+          </a:p>
+          <a:p>
+            <a:endParaRPr lang="en-US" altLang="ko-KR" dirty="0"/>
+          </a:p>
+          <a:p>
+            <a:r>
+              <a:rPr lang="ko-KR" altLang="en-US" dirty="0" err="1"/>
+              <a:t>처럼</a:t>
+            </a:r>
+            <a:r>
+              <a:rPr lang="ko-KR" altLang="en-US" dirty="0"/>
+              <a:t> 사용 할 수 있다</a:t>
+            </a:r>
+            <a:r>
+              <a:rPr lang="en-US" altLang="ko-KR" dirty="0"/>
+              <a:t>.</a:t>
+            </a:r>
+          </a:p>
+          <a:p>
             <a:endParaRPr lang="ko-KR" altLang="en-US" dirty="0"/>
           </a:p>
         </p:txBody>
@@ -3764,7 +4038,7 @@
     </p:spTree>
     <p:extLst>
       <p:ext uri="{BB962C8B-B14F-4D97-AF65-F5344CB8AC3E}">
-        <p14:creationId xmlns:p14="http://schemas.microsoft.com/office/powerpoint/2010/main" val="2359486159"/>
+        <p14:creationId xmlns:p14="http://schemas.microsoft.com/office/powerpoint/2010/main" val="3602396084"/>
       </p:ext>
     </p:extLst>
   </p:cSld>
@@ -3796,7 +4070,7 @@
           <p:cNvPr id="2" name="그림 1">
             <a:extLst>
               <a:ext uri="{FF2B5EF4-FFF2-40B4-BE49-F238E27FC236}">
-                <a16:creationId xmlns:a16="http://schemas.microsoft.com/office/drawing/2014/main" id="{710E022A-DA4B-4578-8202-A780A3A1109D}"/>
+                <a16:creationId xmlns:a16="http://schemas.microsoft.com/office/drawing/2014/main" id="{A4C3FDF9-E7DA-43F2-8734-4F402615DC77}"/>
               </a:ext>
             </a:extLst>
           </p:cNvPr>
@@ -3813,8 +4087,8 @@
         </p:blipFill>
         <p:spPr>
           <a:xfrm>
-            <a:off x="0" y="0"/>
-            <a:ext cx="12192000" cy="3520000"/>
+            <a:off x="0" y="366797"/>
+            <a:ext cx="12192000" cy="3320245"/>
           </a:xfrm>
           <a:prstGeom prst="rect">
             <a:avLst/>
@@ -3826,7 +4100,7 @@
           <p:cNvPr id="3" name="TextBox 2">
             <a:extLst>
               <a:ext uri="{FF2B5EF4-FFF2-40B4-BE49-F238E27FC236}">
-                <a16:creationId xmlns:a16="http://schemas.microsoft.com/office/drawing/2014/main" id="{E676EA87-6488-4181-B1E9-62AA24AA3DB3}"/>
+                <a16:creationId xmlns:a16="http://schemas.microsoft.com/office/drawing/2014/main" id="{FC5A6FAB-F19B-4511-B67B-7FD75444E9F4}"/>
               </a:ext>
             </a:extLst>
           </p:cNvPr>
@@ -3835,8 +4109,8 @@
         </p:nvSpPr>
         <p:spPr>
           <a:xfrm>
-            <a:off x="2560320" y="5166360"/>
-            <a:ext cx="4229043" cy="369332"/>
+            <a:off x="1497367" y="4357457"/>
+            <a:ext cx="2301240" cy="1200329"/>
           </a:xfrm>
           <a:prstGeom prst="rect">
             <a:avLst/>
@@ -3844,18 +4118,44 @@
           <a:noFill/>
         </p:spPr>
         <p:txBody>
-          <a:bodyPr wrap="none" rtlCol="0">
+          <a:bodyPr wrap="square" rtlCol="0">
             <a:spAutoFit/>
           </a:bodyPr>
           <a:lstStyle/>
           <a:p>
             <a:r>
+              <a:rPr lang="en-US" altLang="ko-KR" dirty="0" err="1"/>
+              <a:t>Url</a:t>
+            </a:r>
+            <a:r>
               <a:rPr lang="en-US" altLang="ko-KR" dirty="0"/>
-              <a:t>&amp;</a:t>
+              <a:t> </a:t>
+            </a:r>
+            <a:r>
+              <a:rPr lang="ko-KR" altLang="en-US" dirty="0" err="1"/>
+              <a:t>커리스트링</a:t>
             </a:r>
             <a:r>
               <a:rPr lang="ko-KR" altLang="en-US" dirty="0"/>
-              <a:t>를 써서 여러 개의 값을 받을 수 있다</a:t>
+              <a:t> </a:t>
+            </a:r>
+            <a:endParaRPr lang="en-US" altLang="ko-KR" dirty="0"/>
+          </a:p>
+          <a:p>
+            <a:endParaRPr lang="en-US" altLang="ko-KR" dirty="0"/>
+          </a:p>
+          <a:p>
+            <a:r>
+              <a:rPr lang="en-US" altLang="ko-KR" dirty="0" err="1"/>
+              <a:t>Url</a:t>
+            </a:r>
+            <a:r>
+              <a:rPr lang="ko-KR" altLang="en-US" dirty="0" err="1"/>
+              <a:t>을통해</a:t>
+            </a:r>
+            <a:r>
+              <a:rPr lang="ko-KR" altLang="en-US" dirty="0"/>
+              <a:t> 값을 전달한다</a:t>
             </a:r>
             <a:r>
               <a:rPr lang="en-US" altLang="ko-KR" dirty="0"/>
@@ -3868,7 +4168,7 @@
     </p:spTree>
     <p:extLst>
       <p:ext uri="{BB962C8B-B14F-4D97-AF65-F5344CB8AC3E}">
-        <p14:creationId xmlns:p14="http://schemas.microsoft.com/office/powerpoint/2010/main" val="536818022"/>
+        <p14:creationId xmlns:p14="http://schemas.microsoft.com/office/powerpoint/2010/main" val="2359486159"/>
       </p:ext>
     </p:extLst>
   </p:cSld>
@@ -3900,7 +4200,7 @@
           <p:cNvPr id="2" name="그림 1">
             <a:extLst>
               <a:ext uri="{FF2B5EF4-FFF2-40B4-BE49-F238E27FC236}">
-                <a16:creationId xmlns:a16="http://schemas.microsoft.com/office/drawing/2014/main" id="{75440152-70BA-4456-AA62-17B8E0104971}"/>
+                <a16:creationId xmlns:a16="http://schemas.microsoft.com/office/drawing/2014/main" id="{710E022A-DA4B-4578-8202-A780A3A1109D}"/>
               </a:ext>
             </a:extLst>
           </p:cNvPr>
@@ -3917,8 +4217,102 @@
         </p:blipFill>
         <p:spPr>
           <a:xfrm>
-            <a:off x="0" y="907597"/>
-            <a:ext cx="11277600" cy="2038350"/>
+            <a:off x="0" y="-1"/>
+            <a:ext cx="12192000" cy="4545367"/>
+          </a:xfrm>
+          <a:prstGeom prst="rect">
+            <a:avLst/>
+          </a:prstGeom>
+        </p:spPr>
+      </p:pic>
+      <p:sp>
+        <p:nvSpPr>
+          <p:cNvPr id="3" name="TextBox 2">
+            <a:extLst>
+              <a:ext uri="{FF2B5EF4-FFF2-40B4-BE49-F238E27FC236}">
+                <a16:creationId xmlns:a16="http://schemas.microsoft.com/office/drawing/2014/main" id="{E676EA87-6488-4181-B1E9-62AA24AA3DB3}"/>
+              </a:ext>
+            </a:extLst>
+          </p:cNvPr>
+          <p:cNvSpPr txBox="1"/>
+          <p:nvPr/>
+        </p:nvSpPr>
+        <p:spPr>
+          <a:xfrm>
+            <a:off x="6096000" y="5147685"/>
+            <a:ext cx="4388189" cy="923330"/>
+          </a:xfrm>
+          <a:prstGeom prst="rect">
+            <a:avLst/>
+          </a:prstGeom>
+          <a:noFill/>
+        </p:spPr>
+        <p:txBody>
+          <a:bodyPr wrap="none" rtlCol="0">
+            <a:spAutoFit/>
+          </a:bodyPr>
+          <a:lstStyle/>
+          <a:p>
+            <a:r>
+              <a:rPr lang="en-US" altLang="ko-KR" dirty="0"/>
+              <a:t>&amp;</a:t>
+            </a:r>
+            <a:r>
+              <a:rPr lang="ko-KR" altLang="en-US" dirty="0"/>
+              <a:t>를 써서 여러 개의 값을 받을 수 있다</a:t>
+            </a:r>
+            <a:r>
+              <a:rPr lang="en-US" altLang="ko-KR" dirty="0"/>
+              <a:t>.</a:t>
+            </a:r>
+          </a:p>
+          <a:p>
+            <a:endParaRPr lang="en-US" altLang="ko-KR" dirty="0"/>
+          </a:p>
+          <a:p>
+            <a:r>
+              <a:rPr lang="en-US" altLang="ko-KR" dirty="0"/>
+              <a:t>$_GET[‘</a:t>
+            </a:r>
+            <a:r>
+              <a:rPr lang="ko-KR" altLang="en-US" dirty="0"/>
+              <a:t>변수</a:t>
+            </a:r>
+            <a:r>
+              <a:rPr lang="en-US" altLang="ko-KR" dirty="0"/>
+              <a:t>’] </a:t>
+            </a:r>
+            <a:r>
+              <a:rPr lang="ko-KR" altLang="en-US" dirty="0"/>
+              <a:t>변수에 값을 저장해서 사용</a:t>
+            </a:r>
+          </a:p>
+        </p:txBody>
+      </p:sp>
+      <p:pic>
+        <p:nvPicPr>
+          <p:cNvPr id="4" name="그림 3">
+            <a:extLst>
+              <a:ext uri="{FF2B5EF4-FFF2-40B4-BE49-F238E27FC236}">
+                <a16:creationId xmlns:a16="http://schemas.microsoft.com/office/drawing/2014/main" id="{D162F032-5226-4861-9E84-AA473F5665DC}"/>
+              </a:ext>
+            </a:extLst>
+          </p:cNvPr>
+          <p:cNvPicPr>
+            <a:picLocks noChangeAspect="1"/>
+          </p:cNvPicPr>
+          <p:nvPr/>
+        </p:nvPicPr>
+        <p:blipFill>
+          <a:blip r:embed="rId3"/>
+          <a:stretch>
+            <a:fillRect/>
+          </a:stretch>
+        </p:blipFill>
+        <p:spPr>
+          <a:xfrm>
+            <a:off x="0" y="3095625"/>
+            <a:ext cx="4895850" cy="3762375"/>
           </a:xfrm>
           <a:prstGeom prst="rect">
             <a:avLst/>
@@ -3928,7 +4322,7 @@
     </p:spTree>
     <p:extLst>
       <p:ext uri="{BB962C8B-B14F-4D97-AF65-F5344CB8AC3E}">
-        <p14:creationId xmlns:p14="http://schemas.microsoft.com/office/powerpoint/2010/main" val="4113735713"/>
+        <p14:creationId xmlns:p14="http://schemas.microsoft.com/office/powerpoint/2010/main" val="536818022"/>
       </p:ext>
     </p:extLst>
   </p:cSld>
@@ -3955,68 +4349,12 @@
           <a:chExt cx="0" cy="0"/>
         </a:xfrm>
       </p:grpSpPr>
-      <p:sp>
-        <p:nvSpPr>
-          <p:cNvPr id="2" name="TextBox 1">
-            <a:extLst>
-              <a:ext uri="{FF2B5EF4-FFF2-40B4-BE49-F238E27FC236}">
-                <a16:creationId xmlns:a16="http://schemas.microsoft.com/office/drawing/2014/main" id="{62CC31AF-7F7A-400A-A5DB-240CAFBBCD45}"/>
-              </a:ext>
-            </a:extLst>
-          </p:cNvPr>
-          <p:cNvSpPr txBox="1"/>
-          <p:nvPr/>
-        </p:nvSpPr>
-        <p:spPr>
-          <a:xfrm>
-            <a:off x="3135085" y="1320799"/>
-            <a:ext cx="4615543" cy="923330"/>
-          </a:xfrm>
-          <a:prstGeom prst="rect">
-            <a:avLst/>
-          </a:prstGeom>
-          <a:noFill/>
-        </p:spPr>
-        <p:txBody>
-          <a:bodyPr wrap="square" rtlCol="0">
-            <a:spAutoFit/>
-          </a:bodyPr>
-          <a:lstStyle/>
-          <a:p>
-            <a:r>
-              <a:rPr lang="en-US" altLang="ko-KR" dirty="0"/>
-              <a:t>Php</a:t>
-            </a:r>
-            <a:r>
-              <a:rPr lang="ko-KR" altLang="en-US" dirty="0"/>
-              <a:t> </a:t>
-            </a:r>
-            <a:r>
-              <a:rPr lang="en-US" altLang="ko-KR" dirty="0"/>
-              <a:t>–S localhost : 8000 –t ./public</a:t>
-            </a:r>
-          </a:p>
-          <a:p>
-            <a:endParaRPr lang="en-US" altLang="ko-KR" dirty="0"/>
-          </a:p>
-          <a:p>
-            <a:r>
-              <a:rPr lang="ko-KR" altLang="en-US" dirty="0" err="1"/>
-              <a:t>폴더에있는</a:t>
-            </a:r>
-            <a:r>
-              <a:rPr lang="ko-KR" altLang="en-US" dirty="0"/>
-              <a:t> 파일로 서버 시작</a:t>
-            </a:r>
-          </a:p>
-        </p:txBody>
-      </p:sp>
       <p:pic>
         <p:nvPicPr>
-          <p:cNvPr id="4" name="그림 3">
-            <a:extLst>
-              <a:ext uri="{FF2B5EF4-FFF2-40B4-BE49-F238E27FC236}">
-                <a16:creationId xmlns:a16="http://schemas.microsoft.com/office/drawing/2014/main" id="{0EE8617A-305B-4312-B3CE-CE7C1A2EEABD}"/>
+          <p:cNvPr id="2" name="그림 1">
+            <a:extLst>
+              <a:ext uri="{FF2B5EF4-FFF2-40B4-BE49-F238E27FC236}">
+                <a16:creationId xmlns:a16="http://schemas.microsoft.com/office/drawing/2014/main" id="{75440152-70BA-4456-AA62-17B8E0104971}"/>
               </a:ext>
             </a:extLst>
           </p:cNvPr>
@@ -4033,18 +4371,61 @@
         </p:blipFill>
         <p:spPr>
           <a:xfrm>
-            <a:off x="1039505" y="2554514"/>
-            <a:ext cx="6346036" cy="4303486"/>
+            <a:off x="59184" y="89451"/>
+            <a:ext cx="12073631" cy="4760843"/>
           </a:xfrm>
           <a:prstGeom prst="rect">
             <a:avLst/>
           </a:prstGeom>
         </p:spPr>
       </p:pic>
+      <p:sp>
+        <p:nvSpPr>
+          <p:cNvPr id="3" name="TextBox 2">
+            <a:extLst>
+              <a:ext uri="{FF2B5EF4-FFF2-40B4-BE49-F238E27FC236}">
+                <a16:creationId xmlns:a16="http://schemas.microsoft.com/office/drawing/2014/main" id="{DFBC6C86-3BBC-491F-A4D7-0412C3D65BC3}"/>
+              </a:ext>
+            </a:extLst>
+          </p:cNvPr>
+          <p:cNvSpPr txBox="1"/>
+          <p:nvPr/>
+        </p:nvSpPr>
+        <p:spPr>
+          <a:xfrm>
+            <a:off x="4332591" y="5548061"/>
+            <a:ext cx="2077085" cy="369332"/>
+          </a:xfrm>
+          <a:prstGeom prst="rect">
+            <a:avLst/>
+          </a:prstGeom>
+          <a:noFill/>
+        </p:spPr>
+        <p:txBody>
+          <a:bodyPr wrap="square" rtlCol="0">
+            <a:spAutoFit/>
+          </a:bodyPr>
+          <a:lstStyle/>
+          <a:p>
+            <a:r>
+              <a:rPr lang="en-US" altLang="ko-KR" dirty="0" err="1"/>
+              <a:t>url</a:t>
+            </a:r>
+            <a:r>
+              <a:rPr lang="en-US" altLang="ko-KR" dirty="0"/>
+              <a:t> </a:t>
+            </a:r>
+            <a:r>
+              <a:rPr lang="ko-KR" altLang="en-US" dirty="0"/>
+              <a:t>의 값을 출력</a:t>
+            </a:r>
+          </a:p>
+        </p:txBody>
+      </p:sp>
     </p:spTree>
     <p:extLst>
       <p:ext uri="{BB962C8B-B14F-4D97-AF65-F5344CB8AC3E}">
-        <p14:creationId xmlns:p14="http://schemas.microsoft.com/office/powerpoint/2010/main" val="3469909719"/>
+        <p14:creationId xmlns:p14="http://schemas.microsoft.com/office/powerpoint/2010/main" val="4113735713"/>
       </p:ext>
     </p:extLst>
   </p:cSld>
@@ -4071,12 +4452,68 @@
           <a:chExt cx="0" cy="0"/>
         </a:xfrm>
       </p:grpSpPr>
+      <p:sp>
+        <p:nvSpPr>
+          <p:cNvPr id="2" name="TextBox 1">
+            <a:extLst>
+              <a:ext uri="{FF2B5EF4-FFF2-40B4-BE49-F238E27FC236}">
+                <a16:creationId xmlns:a16="http://schemas.microsoft.com/office/drawing/2014/main" id="{62CC31AF-7F7A-400A-A5DB-240CAFBBCD45}"/>
+              </a:ext>
+            </a:extLst>
+          </p:cNvPr>
+          <p:cNvSpPr txBox="1"/>
+          <p:nvPr/>
+        </p:nvSpPr>
+        <p:spPr>
+          <a:xfrm>
+            <a:off x="4099180" y="5157303"/>
+            <a:ext cx="4615543" cy="923330"/>
+          </a:xfrm>
+          <a:prstGeom prst="rect">
+            <a:avLst/>
+          </a:prstGeom>
+          <a:noFill/>
+        </p:spPr>
+        <p:txBody>
+          <a:bodyPr wrap="square" rtlCol="0">
+            <a:spAutoFit/>
+          </a:bodyPr>
+          <a:lstStyle/>
+          <a:p>
+            <a:r>
+              <a:rPr lang="en-US" altLang="ko-KR" dirty="0"/>
+              <a:t>Php</a:t>
+            </a:r>
+            <a:r>
+              <a:rPr lang="ko-KR" altLang="en-US" dirty="0"/>
+              <a:t> </a:t>
+            </a:r>
+            <a:r>
+              <a:rPr lang="en-US" altLang="ko-KR" dirty="0"/>
+              <a:t>–S localhost : 8000 –t ./public</a:t>
+            </a:r>
+          </a:p>
+          <a:p>
+            <a:endParaRPr lang="en-US" altLang="ko-KR" dirty="0"/>
+          </a:p>
+          <a:p>
+            <a:r>
+              <a:rPr lang="ko-KR" altLang="en-US" dirty="0" err="1"/>
+              <a:t>폴더에있는</a:t>
+            </a:r>
+            <a:r>
+              <a:rPr lang="ko-KR" altLang="en-US" dirty="0"/>
+              <a:t> 파일로 서버 시작</a:t>
+            </a:r>
+          </a:p>
+        </p:txBody>
+      </p:sp>
       <p:pic>
         <p:nvPicPr>
-          <p:cNvPr id="2" name="그림 1">
-            <a:extLst>
-              <a:ext uri="{FF2B5EF4-FFF2-40B4-BE49-F238E27FC236}">
-                <a16:creationId xmlns:a16="http://schemas.microsoft.com/office/drawing/2014/main" id="{EA238E78-F2FA-455B-9023-161CC0B34CF0}"/>
+          <p:cNvPr id="4" name="그림 3">
+            <a:extLst>
+              <a:ext uri="{FF2B5EF4-FFF2-40B4-BE49-F238E27FC236}">
+                <a16:creationId xmlns:a16="http://schemas.microsoft.com/office/drawing/2014/main" id="{0EE8617A-305B-4312-B3CE-CE7C1A2EEABD}"/>
               </a:ext>
             </a:extLst>
           </p:cNvPr>
@@ -4093,8 +4530,8 @@
         </p:blipFill>
         <p:spPr>
           <a:xfrm>
-            <a:off x="0" y="420913"/>
-            <a:ext cx="7307929" cy="5225143"/>
+            <a:off x="208722" y="238539"/>
+            <a:ext cx="11539330" cy="4303486"/>
           </a:xfrm>
           <a:prstGeom prst="rect">
             <a:avLst/>
@@ -4104,7 +4541,7 @@
     </p:spTree>
     <p:extLst>
       <p:ext uri="{BB962C8B-B14F-4D97-AF65-F5344CB8AC3E}">
-        <p14:creationId xmlns:p14="http://schemas.microsoft.com/office/powerpoint/2010/main" val="125899496"/>
+        <p14:creationId xmlns:p14="http://schemas.microsoft.com/office/powerpoint/2010/main" val="3469909719"/>
       </p:ext>
     </p:extLst>
   </p:cSld>
@@ -4136,7 +4573,7 @@
           <p:cNvPr id="2" name="그림 1">
             <a:extLst>
               <a:ext uri="{FF2B5EF4-FFF2-40B4-BE49-F238E27FC236}">
-                <a16:creationId xmlns:a16="http://schemas.microsoft.com/office/drawing/2014/main" id="{1A9760F2-7C46-4567-B4EA-2E3F209B4C8E}"/>
+                <a16:creationId xmlns:a16="http://schemas.microsoft.com/office/drawing/2014/main" id="{EA238E78-F2FA-455B-9023-161CC0B34CF0}"/>
               </a:ext>
             </a:extLst>
           </p:cNvPr>
@@ -4153,8 +4590,8 @@
         </p:blipFill>
         <p:spPr>
           <a:xfrm>
-            <a:off x="224770" y="107118"/>
-            <a:ext cx="8672488" cy="5328482"/>
+            <a:off x="124287" y="119073"/>
+            <a:ext cx="7723573" cy="6237339"/>
           </a:xfrm>
           <a:prstGeom prst="rect">
             <a:avLst/>
@@ -4166,7 +4603,7 @@
           <p:cNvPr id="3" name="TextBox 2">
             <a:extLst>
               <a:ext uri="{FF2B5EF4-FFF2-40B4-BE49-F238E27FC236}">
-                <a16:creationId xmlns:a16="http://schemas.microsoft.com/office/drawing/2014/main" id="{B5DBC7BE-07BF-40C1-ADAB-BADACC6146C6}"/>
+                <a16:creationId xmlns:a16="http://schemas.microsoft.com/office/drawing/2014/main" id="{76368C07-9F9F-4262-AF58-E8204EFB6FE0}"/>
               </a:ext>
             </a:extLst>
           </p:cNvPr>
@@ -4175,8 +4612,8 @@
         </p:nvSpPr>
         <p:spPr>
           <a:xfrm>
-            <a:off x="5638800" y="2619828"/>
-            <a:ext cx="914400" cy="914400"/>
+            <a:off x="8398277" y="1951672"/>
+            <a:ext cx="3165482" cy="1477328"/>
           </a:xfrm>
           <a:prstGeom prst="rect">
             <a:avLst/>
@@ -4184,38 +4621,6 @@
           <a:noFill/>
         </p:spPr>
         <p:txBody>
-          <a:bodyPr wrap="square" rtlCol="0">
-            <a:spAutoFit/>
-          </a:bodyPr>
-          <a:lstStyle/>
-          <a:p>
-            <a:endParaRPr lang="ko-KR" altLang="en-US" dirty="0"/>
-          </a:p>
-        </p:txBody>
-      </p:sp>
-      <p:sp>
-        <p:nvSpPr>
-          <p:cNvPr id="4" name="TextBox 3">
-            <a:extLst>
-              <a:ext uri="{FF2B5EF4-FFF2-40B4-BE49-F238E27FC236}">
-                <a16:creationId xmlns:a16="http://schemas.microsoft.com/office/drawing/2014/main" id="{10D7E2AF-85F0-4F8F-808A-84807B57A9C7}"/>
-              </a:ext>
-            </a:extLst>
-          </p:cNvPr>
-          <p:cNvSpPr txBox="1"/>
-          <p:nvPr/>
-        </p:nvSpPr>
-        <p:spPr>
-          <a:xfrm>
-            <a:off x="10043886" y="3643086"/>
-            <a:ext cx="1824538" cy="369332"/>
-          </a:xfrm>
-          <a:prstGeom prst="rect">
-            <a:avLst/>
-          </a:prstGeom>
-          <a:noFill/>
-        </p:spPr>
-        <p:txBody>
           <a:bodyPr wrap="none" rtlCol="0">
             <a:spAutoFit/>
           </a:bodyPr>
@@ -4223,11 +4628,43 @@
           <a:p>
             <a:r>
               <a:rPr lang="en-US" altLang="ko-KR" dirty="0"/>
-              <a:t>/ </a:t>
+              <a:t>Start bootstrap </a:t>
             </a:r>
             <a:r>
               <a:rPr lang="ko-KR" altLang="en-US" dirty="0"/>
-              <a:t>도메인의 시작</a:t>
+              <a:t>에서 하나의 </a:t>
+            </a:r>
+            <a:endParaRPr lang="en-US" altLang="ko-KR" dirty="0"/>
+          </a:p>
+          <a:p>
+            <a:r>
+              <a:rPr lang="ko-KR" altLang="en-US" dirty="0"/>
+              <a:t>웹페이지를 다운받아서 </a:t>
+            </a:r>
+            <a:endParaRPr lang="en-US" altLang="ko-KR" dirty="0"/>
+          </a:p>
+          <a:p>
+            <a:endParaRPr lang="en-US" altLang="ko-KR" dirty="0"/>
+          </a:p>
+          <a:p>
+            <a:r>
+              <a:rPr lang="en-US" altLang="ko-KR" dirty="0" err="1"/>
+              <a:t>File_get_contents</a:t>
+            </a:r>
+            <a:r>
+              <a:rPr lang="en-US" altLang="ko-KR" dirty="0"/>
+              <a:t> </a:t>
+            </a:r>
+            <a:r>
+              <a:rPr lang="ko-KR" altLang="en-US" dirty="0"/>
+              <a:t>명령으로 </a:t>
+            </a:r>
+            <a:endParaRPr lang="en-US" altLang="ko-KR" dirty="0"/>
+          </a:p>
+          <a:p>
+            <a:r>
+              <a:rPr lang="ko-KR" altLang="en-US" dirty="0"/>
+              <a:t>웹페이지를 실행</a:t>
             </a:r>
           </a:p>
         </p:txBody>
@@ -4235,7 +4672,7 @@
     </p:spTree>
     <p:extLst>
       <p:ext uri="{BB962C8B-B14F-4D97-AF65-F5344CB8AC3E}">
-        <p14:creationId xmlns:p14="http://schemas.microsoft.com/office/powerpoint/2010/main" val="2959633489"/>
+        <p14:creationId xmlns:p14="http://schemas.microsoft.com/office/powerpoint/2010/main" val="125899496"/>
       </p:ext>
     </p:extLst>
   </p:cSld>
@@ -4267,7 +4704,7 @@
           <p:cNvPr id="2" name="그림 1">
             <a:extLst>
               <a:ext uri="{FF2B5EF4-FFF2-40B4-BE49-F238E27FC236}">
-                <a16:creationId xmlns:a16="http://schemas.microsoft.com/office/drawing/2014/main" id="{8A80BB66-C1A2-428F-94FE-6B04C35D173D}"/>
+                <a16:creationId xmlns:a16="http://schemas.microsoft.com/office/drawing/2014/main" id="{1A9760F2-7C46-4567-B4EA-2E3F209B4C8E}"/>
               </a:ext>
             </a:extLst>
           </p:cNvPr>
@@ -4284,18 +4721,140 @@
         </p:blipFill>
         <p:spPr>
           <a:xfrm>
-            <a:off x="3509962" y="2347912"/>
-            <a:ext cx="5172075" cy="2162175"/>
+            <a:off x="224770" y="107117"/>
+            <a:ext cx="8672488" cy="6116129"/>
           </a:xfrm>
           <a:prstGeom prst="rect">
             <a:avLst/>
           </a:prstGeom>
         </p:spPr>
       </p:pic>
+      <p:sp>
+        <p:nvSpPr>
+          <p:cNvPr id="3" name="TextBox 2">
+            <a:extLst>
+              <a:ext uri="{FF2B5EF4-FFF2-40B4-BE49-F238E27FC236}">
+                <a16:creationId xmlns:a16="http://schemas.microsoft.com/office/drawing/2014/main" id="{B5DBC7BE-07BF-40C1-ADAB-BADACC6146C6}"/>
+              </a:ext>
+            </a:extLst>
+          </p:cNvPr>
+          <p:cNvSpPr txBox="1"/>
+          <p:nvPr/>
+        </p:nvSpPr>
+        <p:spPr>
+          <a:xfrm>
+            <a:off x="5638800" y="2619828"/>
+            <a:ext cx="914400" cy="914400"/>
+          </a:xfrm>
+          <a:prstGeom prst="rect">
+            <a:avLst/>
+          </a:prstGeom>
+          <a:noFill/>
+        </p:spPr>
+        <p:txBody>
+          <a:bodyPr wrap="square" rtlCol="0">
+            <a:spAutoFit/>
+          </a:bodyPr>
+          <a:lstStyle/>
+          <a:p>
+            <a:endParaRPr lang="ko-KR" altLang="en-US" dirty="0"/>
+          </a:p>
+        </p:txBody>
+      </p:sp>
+      <p:sp>
+        <p:nvSpPr>
+          <p:cNvPr id="4" name="TextBox 3">
+            <a:extLst>
+              <a:ext uri="{FF2B5EF4-FFF2-40B4-BE49-F238E27FC236}">
+                <a16:creationId xmlns:a16="http://schemas.microsoft.com/office/drawing/2014/main" id="{10D7E2AF-85F0-4F8F-808A-84807B57A9C7}"/>
+              </a:ext>
+            </a:extLst>
+          </p:cNvPr>
+          <p:cNvSpPr txBox="1"/>
+          <p:nvPr/>
+        </p:nvSpPr>
+        <p:spPr>
+          <a:xfrm>
+            <a:off x="8992085" y="2505670"/>
+            <a:ext cx="3199915" cy="923330"/>
+          </a:xfrm>
+          <a:prstGeom prst="rect">
+            <a:avLst/>
+          </a:prstGeom>
+          <a:noFill/>
+        </p:spPr>
+        <p:txBody>
+          <a:bodyPr wrap="none" rtlCol="0">
+            <a:spAutoFit/>
+          </a:bodyPr>
+          <a:lstStyle/>
+          <a:p>
+            <a:r>
+              <a:rPr lang="en-US" altLang="ko-KR" dirty="0"/>
+              <a:t>/ </a:t>
+            </a:r>
+            <a:r>
+              <a:rPr lang="ko-KR" altLang="en-US" dirty="0"/>
+              <a:t>도메인의 시작</a:t>
+            </a:r>
+            <a:endParaRPr lang="en-US" altLang="ko-KR" dirty="0"/>
+          </a:p>
+          <a:p>
+            <a:endParaRPr lang="en-US" altLang="ko-KR" dirty="0"/>
+          </a:p>
+          <a:p>
+            <a:r>
+              <a:rPr lang="ko-KR" altLang="en-US" dirty="0"/>
+              <a:t>이전에서 깨졌던 부분을 수정</a:t>
+            </a:r>
+          </a:p>
+        </p:txBody>
+      </p:sp>
+      <p:cxnSp>
+        <p:nvCxnSpPr>
+          <p:cNvPr id="6" name="직선 연결선 5">
+            <a:extLst>
+              <a:ext uri="{FF2B5EF4-FFF2-40B4-BE49-F238E27FC236}">
+                <a16:creationId xmlns:a16="http://schemas.microsoft.com/office/drawing/2014/main" id="{5DD72938-C921-49F9-BE35-BAFFFF3671E5}"/>
+              </a:ext>
+            </a:extLst>
+          </p:cNvPr>
+          <p:cNvCxnSpPr/>
+          <p:nvPr/>
+        </p:nvCxnSpPr>
+        <p:spPr>
+          <a:xfrm>
+            <a:off x="1109708" y="3045041"/>
+            <a:ext cx="864000" cy="0"/>
+          </a:xfrm>
+          <a:prstGeom prst="line">
+            <a:avLst/>
+          </a:prstGeom>
+          <a:ln w="76200">
+            <a:solidFill>
+              <a:srgbClr val="FF0000"/>
+            </a:solidFill>
+          </a:ln>
+        </p:spPr>
+        <p:style>
+          <a:lnRef idx="1">
+            <a:schemeClr val="accent2"/>
+          </a:lnRef>
+          <a:fillRef idx="0">
+            <a:schemeClr val="accent2"/>
+          </a:fillRef>
+          <a:effectRef idx="0">
+            <a:schemeClr val="accent2"/>
+          </a:effectRef>
+          <a:fontRef idx="minor">
+            <a:schemeClr val="tx1"/>
+          </a:fontRef>
+        </p:style>
+      </p:cxnSp>
     </p:spTree>
     <p:extLst>
       <p:ext uri="{BB962C8B-B14F-4D97-AF65-F5344CB8AC3E}">
-        <p14:creationId xmlns:p14="http://schemas.microsoft.com/office/powerpoint/2010/main" val="2822029616"/>
+        <p14:creationId xmlns:p14="http://schemas.microsoft.com/office/powerpoint/2010/main" val="2959633489"/>
       </p:ext>
     </p:extLst>
   </p:cSld>
@@ -4322,10 +4881,107 @@
           <a:chExt cx="0" cy="0"/>
         </a:xfrm>
       </p:grpSpPr>
+      <p:pic>
+        <p:nvPicPr>
+          <p:cNvPr id="2" name="그림 1">
+            <a:extLst>
+              <a:ext uri="{FF2B5EF4-FFF2-40B4-BE49-F238E27FC236}">
+                <a16:creationId xmlns:a16="http://schemas.microsoft.com/office/drawing/2014/main" id="{8A80BB66-C1A2-428F-94FE-6B04C35D173D}"/>
+              </a:ext>
+            </a:extLst>
+          </p:cNvPr>
+          <p:cNvPicPr>
+            <a:picLocks noChangeAspect="1"/>
+          </p:cNvPicPr>
+          <p:nvPr/>
+        </p:nvPicPr>
+        <p:blipFill>
+          <a:blip r:embed="rId2"/>
+          <a:stretch>
+            <a:fillRect/>
+          </a:stretch>
+        </p:blipFill>
+        <p:spPr>
+          <a:xfrm>
+            <a:off x="1130746" y="616766"/>
+            <a:ext cx="9549089" cy="3991976"/>
+          </a:xfrm>
+          <a:prstGeom prst="rect">
+            <a:avLst/>
+          </a:prstGeom>
+        </p:spPr>
+      </p:pic>
+      <p:sp>
+        <p:nvSpPr>
+          <p:cNvPr id="3" name="TextBox 2">
+            <a:extLst>
+              <a:ext uri="{FF2B5EF4-FFF2-40B4-BE49-F238E27FC236}">
+                <a16:creationId xmlns:a16="http://schemas.microsoft.com/office/drawing/2014/main" id="{B1947127-28C8-43CA-996B-D25F0FB75499}"/>
+              </a:ext>
+            </a:extLst>
+          </p:cNvPr>
+          <p:cNvSpPr txBox="1"/>
+          <p:nvPr/>
+        </p:nvSpPr>
+        <p:spPr>
+          <a:xfrm>
+            <a:off x="2112885" y="5378129"/>
+            <a:ext cx="8629095" cy="646331"/>
+          </a:xfrm>
+          <a:prstGeom prst="rect">
+            <a:avLst/>
+          </a:prstGeom>
+          <a:noFill/>
+        </p:spPr>
+        <p:txBody>
+          <a:bodyPr wrap="square" rtlCol="0">
+            <a:spAutoFit/>
+          </a:bodyPr>
+          <a:lstStyle/>
+          <a:p>
+            <a:r>
+              <a:rPr lang="en-US" altLang="ko-KR" dirty="0" err="1"/>
+              <a:t>str_replace</a:t>
+            </a:r>
+            <a:r>
+              <a:rPr lang="en-US" altLang="ko-KR" dirty="0"/>
+              <a:t>("</a:t>
+            </a:r>
+            <a:r>
+              <a:rPr lang="ko-KR" altLang="en-US" dirty="0" err="1"/>
+              <a:t>찾을문자열</a:t>
+            </a:r>
+            <a:r>
+              <a:rPr lang="en-US" altLang="ko-KR" dirty="0"/>
+              <a:t>","</a:t>
+            </a:r>
+            <a:r>
+              <a:rPr lang="ko-KR" altLang="en-US" dirty="0" err="1"/>
+              <a:t>치환할문자열</a:t>
+            </a:r>
+            <a:r>
+              <a:rPr lang="en-US" altLang="ko-KR" dirty="0"/>
+              <a:t>","</a:t>
+            </a:r>
+            <a:r>
+              <a:rPr lang="ko-KR" altLang="en-US" dirty="0"/>
+              <a:t>대상문자열</a:t>
+            </a:r>
+            <a:r>
+              <a:rPr lang="en-US" altLang="ko-KR" dirty="0"/>
+              <a:t>");</a:t>
+            </a:r>
+            <a:br>
+              <a:rPr lang="ko-KR" altLang="en-US" dirty="0"/>
+            </a:br>
+            <a:endParaRPr lang="ko-KR" altLang="en-US" dirty="0"/>
+          </a:p>
+        </p:txBody>
+      </p:sp>
     </p:spTree>
     <p:extLst>
       <p:ext uri="{BB962C8B-B14F-4D97-AF65-F5344CB8AC3E}">
-        <p14:creationId xmlns:p14="http://schemas.microsoft.com/office/powerpoint/2010/main" val="2857528970"/>
+        <p14:creationId xmlns:p14="http://schemas.microsoft.com/office/powerpoint/2010/main" val="2822029616"/>
       </p:ext>
     </p:extLst>
   </p:cSld>
@@ -4354,10 +5010,10 @@
       </p:grpSpPr>
       <p:pic>
         <p:nvPicPr>
-          <p:cNvPr id="2" name="그림 1">
-            <a:extLst>
-              <a:ext uri="{FF2B5EF4-FFF2-40B4-BE49-F238E27FC236}">
-                <a16:creationId xmlns:a16="http://schemas.microsoft.com/office/drawing/2014/main" id="{A92266E4-D057-43CC-84FF-B7673C9D0452}"/>
+          <p:cNvPr id="4" name="그림 3">
+            <a:extLst>
+              <a:ext uri="{FF2B5EF4-FFF2-40B4-BE49-F238E27FC236}">
+                <a16:creationId xmlns:a16="http://schemas.microsoft.com/office/drawing/2014/main" id="{7A5DDA22-D369-44D0-A679-0AC8013C67A0}"/>
               </a:ext>
             </a:extLst>
           </p:cNvPr>
@@ -4374,18 +5030,92 @@
         </p:blipFill>
         <p:spPr>
           <a:xfrm>
-            <a:off x="1109662" y="495300"/>
-            <a:ext cx="9972675" cy="5867400"/>
+            <a:off x="172278" y="244337"/>
+            <a:ext cx="8077200" cy="5777442"/>
           </a:xfrm>
           <a:prstGeom prst="rect">
             <a:avLst/>
           </a:prstGeom>
         </p:spPr>
       </p:pic>
+      <p:sp>
+        <p:nvSpPr>
+          <p:cNvPr id="2" name="TextBox 1">
+            <a:extLst>
+              <a:ext uri="{FF2B5EF4-FFF2-40B4-BE49-F238E27FC236}">
+                <a16:creationId xmlns:a16="http://schemas.microsoft.com/office/drawing/2014/main" id="{CA32B473-037E-4763-A769-1423EECF30BC}"/>
+              </a:ext>
+            </a:extLst>
+          </p:cNvPr>
+          <p:cNvSpPr txBox="1"/>
+          <p:nvPr/>
+        </p:nvSpPr>
+        <p:spPr>
+          <a:xfrm>
+            <a:off x="8742863" y="1779395"/>
+            <a:ext cx="3276859" cy="1477328"/>
+          </a:xfrm>
+          <a:prstGeom prst="rect">
+            <a:avLst/>
+          </a:prstGeom>
+          <a:noFill/>
+        </p:spPr>
+        <p:txBody>
+          <a:bodyPr wrap="none" rtlCol="0">
+            <a:spAutoFit/>
+          </a:bodyPr>
+          <a:lstStyle/>
+          <a:p>
+            <a:r>
+              <a:rPr lang="en-US" altLang="ko-KR" dirty="0"/>
+              <a:t>Ls –all </a:t>
+            </a:r>
+            <a:r>
+              <a:rPr lang="ko-KR" altLang="en-US" dirty="0" err="1"/>
+              <a:t>모든파일</a:t>
+            </a:r>
+            <a:r>
+              <a:rPr lang="ko-KR" altLang="en-US" dirty="0"/>
+              <a:t> </a:t>
+            </a:r>
+            <a:endParaRPr lang="en-US" altLang="ko-KR" dirty="0"/>
+          </a:p>
+          <a:p>
+            <a:endParaRPr lang="en-US" altLang="ko-KR" dirty="0"/>
+          </a:p>
+          <a:p>
+            <a:endParaRPr lang="en-US" altLang="ko-KR" dirty="0"/>
+          </a:p>
+          <a:p>
+            <a:r>
+              <a:rPr lang="en-US" altLang="ko-KR" dirty="0"/>
+              <a:t>Git clone </a:t>
+            </a:r>
+            <a:r>
+              <a:rPr lang="ko-KR" altLang="en-US" dirty="0"/>
+              <a:t>으로 </a:t>
+            </a:r>
+            <a:r>
+              <a:rPr lang="en-US" altLang="ko-KR" dirty="0"/>
+              <a:t>daelim_2019_2</a:t>
+            </a:r>
+          </a:p>
+          <a:p>
+            <a:r>
+              <a:rPr lang="ko-KR" altLang="en-US" dirty="0" err="1"/>
+              <a:t>를</a:t>
+            </a:r>
+            <a:r>
+              <a:rPr lang="ko-KR" altLang="en-US" dirty="0"/>
+              <a:t> 연결</a:t>
+            </a:r>
+          </a:p>
+        </p:txBody>
+      </p:sp>
     </p:spTree>
     <p:extLst>
       <p:ext uri="{BB962C8B-B14F-4D97-AF65-F5344CB8AC3E}">
-        <p14:creationId xmlns:p14="http://schemas.microsoft.com/office/powerpoint/2010/main" val="2683271777"/>
+        <p14:creationId xmlns:p14="http://schemas.microsoft.com/office/powerpoint/2010/main" val="3353279902"/>
       </p:ext>
     </p:extLst>
   </p:cSld>
@@ -4417,7 +5147,7 @@
           <p:cNvPr id="2" name="그림 1">
             <a:extLst>
               <a:ext uri="{FF2B5EF4-FFF2-40B4-BE49-F238E27FC236}">
-                <a16:creationId xmlns:a16="http://schemas.microsoft.com/office/drawing/2014/main" id="{F5E8EDCB-62E0-4E69-A242-807E59F2D934}"/>
+                <a16:creationId xmlns:a16="http://schemas.microsoft.com/office/drawing/2014/main" id="{A92266E4-D057-43CC-84FF-B7673C9D0452}"/>
               </a:ext>
             </a:extLst>
           </p:cNvPr>
@@ -4434,18 +5164,77 @@
         </p:blipFill>
         <p:spPr>
           <a:xfrm>
-            <a:off x="477912" y="0"/>
-            <a:ext cx="11236175" cy="6858000"/>
+            <a:off x="0" y="575199"/>
+            <a:ext cx="9972675" cy="5867400"/>
           </a:xfrm>
           <a:prstGeom prst="rect">
             <a:avLst/>
           </a:prstGeom>
         </p:spPr>
       </p:pic>
+      <p:sp>
+        <p:nvSpPr>
+          <p:cNvPr id="3" name="TextBox 2">
+            <a:extLst>
+              <a:ext uri="{FF2B5EF4-FFF2-40B4-BE49-F238E27FC236}">
+                <a16:creationId xmlns:a16="http://schemas.microsoft.com/office/drawing/2014/main" id="{0AB0EC7C-7800-4571-8A71-B14443D0EF10}"/>
+              </a:ext>
+            </a:extLst>
+          </p:cNvPr>
+          <p:cNvSpPr txBox="1"/>
+          <p:nvPr/>
+        </p:nvSpPr>
+        <p:spPr>
+          <a:xfrm>
+            <a:off x="9972675" y="2219417"/>
+            <a:ext cx="2296312" cy="1477328"/>
+          </a:xfrm>
+          <a:prstGeom prst="rect">
+            <a:avLst/>
+          </a:prstGeom>
+          <a:noFill/>
+        </p:spPr>
+        <p:txBody>
+          <a:bodyPr wrap="square" rtlCol="0">
+            <a:spAutoFit/>
+          </a:bodyPr>
+          <a:lstStyle/>
+          <a:p>
+            <a:r>
+              <a:rPr lang="en-US" altLang="ko-KR" dirty="0"/>
+              <a:t>Composer</a:t>
+            </a:r>
+            <a:r>
+              <a:rPr lang="ko-KR" altLang="en-US" dirty="0"/>
+              <a:t>를 다운 후 </a:t>
+            </a:r>
+            <a:endParaRPr lang="en-US" altLang="ko-KR" dirty="0"/>
+          </a:p>
+          <a:p>
+            <a:r>
+              <a:rPr lang="en-US" altLang="ko-KR" dirty="0" err="1"/>
+              <a:t>Cmd</a:t>
+            </a:r>
+            <a:r>
+              <a:rPr lang="ko-KR" altLang="en-US" dirty="0"/>
+              <a:t>창에서 </a:t>
+            </a:r>
+            <a:r>
+              <a:rPr lang="en-US" altLang="ko-KR" dirty="0"/>
+              <a:t>composer </a:t>
+            </a:r>
+            <a:r>
+              <a:rPr lang="ko-KR" altLang="en-US" dirty="0"/>
+              <a:t>하면 확인 가능</a:t>
+            </a:r>
+            <a:endParaRPr lang="en-US" altLang="ko-KR" dirty="0"/>
+          </a:p>
+        </p:txBody>
+      </p:sp>
     </p:spTree>
     <p:extLst>
       <p:ext uri="{BB962C8B-B14F-4D97-AF65-F5344CB8AC3E}">
-        <p14:creationId xmlns:p14="http://schemas.microsoft.com/office/powerpoint/2010/main" val="783914755"/>
+        <p14:creationId xmlns:p14="http://schemas.microsoft.com/office/powerpoint/2010/main" val="2683271777"/>
       </p:ext>
     </p:extLst>
   </p:cSld>
@@ -4477,7 +5266,7 @@
           <p:cNvPr id="2" name="그림 1">
             <a:extLst>
               <a:ext uri="{FF2B5EF4-FFF2-40B4-BE49-F238E27FC236}">
-                <a16:creationId xmlns:a16="http://schemas.microsoft.com/office/drawing/2014/main" id="{9730CAA0-06FF-407C-AF55-AB94892F2898}"/>
+                <a16:creationId xmlns:a16="http://schemas.microsoft.com/office/drawing/2014/main" id="{F5E8EDCB-62E0-4E69-A242-807E59F2D934}"/>
               </a:ext>
             </a:extLst>
           </p:cNvPr>
@@ -4494,18 +5283,65 @@
         </p:blipFill>
         <p:spPr>
           <a:xfrm>
-            <a:off x="0" y="179180"/>
-            <a:ext cx="12192000" cy="6499640"/>
+            <a:off x="0" y="0"/>
+            <a:ext cx="9171709" cy="6858000"/>
           </a:xfrm>
           <a:prstGeom prst="rect">
             <a:avLst/>
           </a:prstGeom>
         </p:spPr>
       </p:pic>
+      <p:sp>
+        <p:nvSpPr>
+          <p:cNvPr id="3" name="TextBox 2">
+            <a:extLst>
+              <a:ext uri="{FF2B5EF4-FFF2-40B4-BE49-F238E27FC236}">
+                <a16:creationId xmlns:a16="http://schemas.microsoft.com/office/drawing/2014/main" id="{E448250A-3D4C-49DE-B73B-8A34E4541498}"/>
+              </a:ext>
+            </a:extLst>
+          </p:cNvPr>
+          <p:cNvSpPr txBox="1"/>
+          <p:nvPr/>
+        </p:nvSpPr>
+        <p:spPr>
+          <a:xfrm>
+            <a:off x="9987379" y="2778710"/>
+            <a:ext cx="3746376" cy="369332"/>
+          </a:xfrm>
+          <a:prstGeom prst="rect">
+            <a:avLst/>
+          </a:prstGeom>
+          <a:noFill/>
+        </p:spPr>
+        <p:txBody>
+          <a:bodyPr wrap="square" rtlCol="0">
+            <a:spAutoFit/>
+          </a:bodyPr>
+          <a:lstStyle/>
+          <a:p>
+            <a:r>
+              <a:rPr lang="en-US" altLang="ko-KR" dirty="0" err="1"/>
+              <a:t>Jiny</a:t>
+            </a:r>
+            <a:r>
+              <a:rPr lang="ko-KR" altLang="en-US" dirty="0"/>
+              <a:t> </a:t>
+            </a:r>
+            <a:r>
+              <a:rPr lang="en-US" altLang="ko-KR" dirty="0"/>
+              <a:t>php</a:t>
+            </a:r>
+            <a:r>
+              <a:rPr lang="ko-KR" altLang="en-US" dirty="0"/>
+              <a:t> 설치</a:t>
+            </a:r>
+          </a:p>
+        </p:txBody>
+      </p:sp>
     </p:spTree>
     <p:extLst>
       <p:ext uri="{BB962C8B-B14F-4D97-AF65-F5344CB8AC3E}">
-        <p14:creationId xmlns:p14="http://schemas.microsoft.com/office/powerpoint/2010/main" val="2021764760"/>
+        <p14:creationId xmlns:p14="http://schemas.microsoft.com/office/powerpoint/2010/main" val="783914755"/>
       </p:ext>
     </p:extLst>
   </p:cSld>
@@ -4534,10 +5370,10 @@
       </p:grpSpPr>
       <p:pic>
         <p:nvPicPr>
-          <p:cNvPr id="3" name="그림 2">
-            <a:extLst>
-              <a:ext uri="{FF2B5EF4-FFF2-40B4-BE49-F238E27FC236}">
-                <a16:creationId xmlns:a16="http://schemas.microsoft.com/office/drawing/2014/main" id="{FF7C36F8-4BEC-4860-92E3-52A112F421EF}"/>
+          <p:cNvPr id="2" name="그림 1">
+            <a:extLst>
+              <a:ext uri="{FF2B5EF4-FFF2-40B4-BE49-F238E27FC236}">
+                <a16:creationId xmlns:a16="http://schemas.microsoft.com/office/drawing/2014/main" id="{9730CAA0-06FF-407C-AF55-AB94892F2898}"/>
               </a:ext>
             </a:extLst>
           </p:cNvPr>
@@ -4554,18 +5390,61 @@
         </p:blipFill>
         <p:spPr>
           <a:xfrm>
-            <a:off x="1198926" y="0"/>
-            <a:ext cx="9794147" cy="6858000"/>
+            <a:off x="0" y="0"/>
+            <a:ext cx="12192000" cy="5787511"/>
           </a:xfrm>
           <a:prstGeom prst="rect">
             <a:avLst/>
           </a:prstGeom>
         </p:spPr>
       </p:pic>
+      <p:sp>
+        <p:nvSpPr>
+          <p:cNvPr id="3" name="TextBox 2">
+            <a:extLst>
+              <a:ext uri="{FF2B5EF4-FFF2-40B4-BE49-F238E27FC236}">
+                <a16:creationId xmlns:a16="http://schemas.microsoft.com/office/drawing/2014/main" id="{AE2F56C6-1078-4E60-BAA9-17F5F1BAA2E5}"/>
+              </a:ext>
+            </a:extLst>
+          </p:cNvPr>
+          <p:cNvSpPr txBox="1"/>
+          <p:nvPr/>
+        </p:nvSpPr>
+        <p:spPr>
+          <a:xfrm>
+            <a:off x="674255" y="6096000"/>
+            <a:ext cx="9753600" cy="369332"/>
+          </a:xfrm>
+          <a:prstGeom prst="rect">
+            <a:avLst/>
+          </a:prstGeom>
+          <a:noFill/>
+        </p:spPr>
+        <p:txBody>
+          <a:bodyPr wrap="square" rtlCol="0">
+            <a:spAutoFit/>
+          </a:bodyPr>
+          <a:lstStyle/>
+          <a:p>
+            <a:r>
+              <a:rPr lang="ko-KR" altLang="en-US" dirty="0"/>
+              <a:t>서버를 켜서 확인 맨처음은 </a:t>
+            </a:r>
+            <a:r>
+              <a:rPr lang="en-US" altLang="ko-KR" dirty="0"/>
+              <a:t>index </a:t>
+            </a:r>
+            <a:r>
+              <a:rPr lang="ko-KR" altLang="en-US" dirty="0"/>
+              <a:t>파일 실행</a:t>
+            </a:r>
+          </a:p>
+        </p:txBody>
+      </p:sp>
     </p:spTree>
     <p:extLst>
       <p:ext uri="{BB962C8B-B14F-4D97-AF65-F5344CB8AC3E}">
-        <p14:creationId xmlns:p14="http://schemas.microsoft.com/office/powerpoint/2010/main" val="3495222368"/>
+        <p14:creationId xmlns:p14="http://schemas.microsoft.com/office/powerpoint/2010/main" val="2021764760"/>
       </p:ext>
     </p:extLst>
   </p:cSld>
@@ -4597,7 +5476,7 @@
           <p:cNvPr id="3" name="그림 2">
             <a:extLst>
               <a:ext uri="{FF2B5EF4-FFF2-40B4-BE49-F238E27FC236}">
-                <a16:creationId xmlns:a16="http://schemas.microsoft.com/office/drawing/2014/main" id="{0D73A24C-87ED-406B-A4E4-955BA47E2590}"/>
+                <a16:creationId xmlns:a16="http://schemas.microsoft.com/office/drawing/2014/main" id="{FF7C36F8-4BEC-4860-92E3-52A112F421EF}"/>
               </a:ext>
             </a:extLst>
           </p:cNvPr>
@@ -4614,8 +5493,8 @@
         </p:blipFill>
         <p:spPr>
           <a:xfrm>
-            <a:off x="366712" y="728662"/>
-            <a:ext cx="11458575" cy="5400675"/>
+            <a:off x="0" y="0"/>
+            <a:ext cx="9794147" cy="6858000"/>
           </a:xfrm>
           <a:prstGeom prst="rect">
             <a:avLst/>
@@ -4624,10 +5503,10 @@
       </p:pic>
       <p:sp>
         <p:nvSpPr>
-          <p:cNvPr id="4" name="TextBox 3">
-            <a:extLst>
-              <a:ext uri="{FF2B5EF4-FFF2-40B4-BE49-F238E27FC236}">
-                <a16:creationId xmlns:a16="http://schemas.microsoft.com/office/drawing/2014/main" id="{33E5C031-E56F-468D-96B7-261DB7F5B672}"/>
+          <p:cNvPr id="2" name="TextBox 1">
+            <a:extLst>
+              <a:ext uri="{FF2B5EF4-FFF2-40B4-BE49-F238E27FC236}">
+                <a16:creationId xmlns:a16="http://schemas.microsoft.com/office/drawing/2014/main" id="{CAE13B23-CF39-4851-BD5D-16593D7F3AD9}"/>
               </a:ext>
             </a:extLst>
           </p:cNvPr>
@@ -4636,8 +5515,8 @@
         </p:nvSpPr>
         <p:spPr>
           <a:xfrm>
-            <a:off x="2442258" y="6597570"/>
-            <a:ext cx="5173211" cy="369332"/>
+            <a:off x="9794147" y="1681018"/>
+            <a:ext cx="2456873" cy="1200329"/>
           </a:xfrm>
           <a:prstGeom prst="rect">
             <a:avLst/>
@@ -4645,47 +5524,46 @@
           <a:noFill/>
         </p:spPr>
         <p:txBody>
-          <a:bodyPr wrap="none" rtlCol="0">
+          <a:bodyPr wrap="square" rtlCol="0">
             <a:spAutoFit/>
           </a:bodyPr>
           <a:lstStyle/>
           <a:p>
             <a:r>
+              <a:rPr lang="en-US" altLang="ko-KR" dirty="0" err="1"/>
+              <a:t>Phpinfo</a:t>
+            </a:r>
+            <a:r>
               <a:rPr lang="en-US" altLang="ko-KR" dirty="0"/>
-              <a:t>Const </a:t>
+              <a:t>()</a:t>
+            </a:r>
+          </a:p>
+          <a:p>
+            <a:endParaRPr lang="en-US" altLang="ko-KR" dirty="0"/>
+          </a:p>
+          <a:p>
+            <a:r>
+              <a:rPr lang="en-US" altLang="ko-KR" dirty="0"/>
+              <a:t>Php</a:t>
             </a:r>
             <a:r>
               <a:rPr lang="ko-KR" altLang="en-US" dirty="0"/>
-              <a:t>상수를 선언한다</a:t>
-            </a:r>
-            <a:r>
-              <a:rPr lang="en-US" altLang="ko-KR" dirty="0"/>
-              <a:t>. </a:t>
-            </a:r>
+              <a:t>정보와 설정을 </a:t>
+            </a:r>
+            <a:endParaRPr lang="en-US" altLang="ko-KR" dirty="0"/>
+          </a:p>
+          <a:p>
             <a:r>
               <a:rPr lang="ko-KR" altLang="en-US" dirty="0"/>
-              <a:t>이외에도 </a:t>
-            </a:r>
-            <a:r>
-              <a:rPr lang="en-US" altLang="ko-KR" dirty="0"/>
-              <a:t>define </a:t>
-            </a:r>
-            <a:r>
-              <a:rPr lang="ko-KR" altLang="en-US" dirty="0" err="1"/>
-              <a:t>이있다</a:t>
-            </a:r>
-            <a:r>
-              <a:rPr lang="en-US" altLang="ko-KR" dirty="0"/>
-              <a:t>.</a:t>
-            </a:r>
-            <a:endParaRPr lang="ko-KR" altLang="en-US" dirty="0"/>
+              <a:t>출력 하는 함수</a:t>
+            </a:r>
           </a:p>
         </p:txBody>
       </p:sp>
     </p:spTree>
     <p:extLst>
       <p:ext uri="{BB962C8B-B14F-4D97-AF65-F5344CB8AC3E}">
-        <p14:creationId xmlns:p14="http://schemas.microsoft.com/office/powerpoint/2010/main" val="1940808302"/>
+        <p14:creationId xmlns:p14="http://schemas.microsoft.com/office/powerpoint/2010/main" val="3495222368"/>
       </p:ext>
     </p:extLst>
   </p:cSld>
@@ -4714,10 +5592,10 @@
       </p:grpSpPr>
       <p:pic>
         <p:nvPicPr>
-          <p:cNvPr id="4" name="그림 3">
-            <a:extLst>
-              <a:ext uri="{FF2B5EF4-FFF2-40B4-BE49-F238E27FC236}">
-                <a16:creationId xmlns:a16="http://schemas.microsoft.com/office/drawing/2014/main" id="{AADECD80-6120-43C9-B16E-EAB9125EC268}"/>
+          <p:cNvPr id="3" name="그림 2">
+            <a:extLst>
+              <a:ext uri="{FF2B5EF4-FFF2-40B4-BE49-F238E27FC236}">
+                <a16:creationId xmlns:a16="http://schemas.microsoft.com/office/drawing/2014/main" id="{0D73A24C-87ED-406B-A4E4-955BA47E2590}"/>
               </a:ext>
             </a:extLst>
           </p:cNvPr>
@@ -4734,8 +5612,8 @@
         </p:blipFill>
         <p:spPr>
           <a:xfrm>
-            <a:off x="232756" y="0"/>
-            <a:ext cx="8564991" cy="4512998"/>
+            <a:off x="0" y="0"/>
+            <a:ext cx="11458575" cy="5400675"/>
           </a:xfrm>
           <a:prstGeom prst="rect">
             <a:avLst/>
@@ -4744,10 +5622,10 @@
       </p:pic>
       <p:sp>
         <p:nvSpPr>
-          <p:cNvPr id="5" name="TextBox 4">
-            <a:extLst>
-              <a:ext uri="{FF2B5EF4-FFF2-40B4-BE49-F238E27FC236}">
-                <a16:creationId xmlns:a16="http://schemas.microsoft.com/office/drawing/2014/main" id="{9DC04224-5F6C-477C-B612-59D94EF37F16}"/>
+          <p:cNvPr id="4" name="TextBox 3">
+            <a:extLst>
+              <a:ext uri="{FF2B5EF4-FFF2-40B4-BE49-F238E27FC236}">
+                <a16:creationId xmlns:a16="http://schemas.microsoft.com/office/drawing/2014/main" id="{33E5C031-E56F-468D-96B7-261DB7F5B672}"/>
               </a:ext>
             </a:extLst>
           </p:cNvPr>
@@ -4756,8 +5634,8 @@
         </p:nvSpPr>
         <p:spPr>
           <a:xfrm>
-            <a:off x="565055" y="5014995"/>
-            <a:ext cx="5780750" cy="923330"/>
+            <a:off x="3072572" y="5958378"/>
+            <a:ext cx="5173211" cy="369332"/>
           </a:xfrm>
           <a:prstGeom prst="rect">
             <a:avLst/>
@@ -4771,33 +5649,28 @@
           <a:lstStyle/>
           <a:p>
             <a:r>
-              <a:rPr lang="en-US" altLang="ko-KR" dirty="0" err="1"/>
-              <a:t>print_r</a:t>
-            </a:r>
-            <a:r>
               <a:rPr lang="en-US" altLang="ko-KR" dirty="0"/>
-              <a:t>(</a:t>
-            </a:r>
-            <a:r>
-              <a:rPr lang="en-US" altLang="ko-KR" dirty="0" err="1"/>
-              <a:t>get_defined_constants</a:t>
+              <a:t>Const </a:t>
+            </a:r>
+            <a:r>
+              <a:rPr lang="ko-KR" altLang="en-US" dirty="0"/>
+              <a:t>상수를 선언한다</a:t>
             </a:r>
             <a:r>
               <a:rPr lang="en-US" altLang="ko-KR" dirty="0"/>
-              <a:t>());  </a:t>
+              <a:t>. </a:t>
             </a:r>
             <a:r>
               <a:rPr lang="ko-KR" altLang="en-US" dirty="0"/>
-              <a:t>모든 상수가 나온다</a:t>
-            </a:r>
-          </a:p>
-          <a:p>
-            <a:endParaRPr lang="en-US" altLang="ko-KR" dirty="0"/>
-          </a:p>
-          <a:p>
-            <a:r>
-              <a:rPr lang="ko-KR" altLang="en-US" dirty="0"/>
-              <a:t>미리 지정해둔 상수는 많다</a:t>
+              <a:t>이외에도 </a:t>
+            </a:r>
+            <a:r>
+              <a:rPr lang="en-US" altLang="ko-KR" dirty="0"/>
+              <a:t>define </a:t>
+            </a:r>
+            <a:r>
+              <a:rPr lang="ko-KR" altLang="en-US" dirty="0" err="1"/>
+              <a:t>이있다</a:t>
             </a:r>
             <a:r>
               <a:rPr lang="en-US" altLang="ko-KR" dirty="0"/>
@@ -4810,7 +5683,7 @@
     </p:spTree>
     <p:extLst>
       <p:ext uri="{BB962C8B-B14F-4D97-AF65-F5344CB8AC3E}">
-        <p14:creationId xmlns:p14="http://schemas.microsoft.com/office/powerpoint/2010/main" val="1044620118"/>
+        <p14:creationId xmlns:p14="http://schemas.microsoft.com/office/powerpoint/2010/main" val="1940808302"/>
       </p:ext>
     </p:extLst>
   </p:cSld>
@@ -4839,10 +5712,10 @@
       </p:grpSpPr>
       <p:pic>
         <p:nvPicPr>
-          <p:cNvPr id="2" name="그림 1">
-            <a:extLst>
-              <a:ext uri="{FF2B5EF4-FFF2-40B4-BE49-F238E27FC236}">
-                <a16:creationId xmlns:a16="http://schemas.microsoft.com/office/drawing/2014/main" id="{EE889853-155F-4E3F-8ACA-369D2B12A09A}"/>
+          <p:cNvPr id="4" name="그림 3">
+            <a:extLst>
+              <a:ext uri="{FF2B5EF4-FFF2-40B4-BE49-F238E27FC236}">
+                <a16:creationId xmlns:a16="http://schemas.microsoft.com/office/drawing/2014/main" id="{AADECD80-6120-43C9-B16E-EAB9125EC268}"/>
               </a:ext>
             </a:extLst>
           </p:cNvPr>
@@ -4859,8 +5732,8 @@
         </p:blipFill>
         <p:spPr>
           <a:xfrm>
-            <a:off x="0" y="1302327"/>
-            <a:ext cx="7572529" cy="3142384"/>
+            <a:off x="232756" y="0"/>
+            <a:ext cx="10802188" cy="4817064"/>
           </a:xfrm>
           <a:prstGeom prst="rect">
             <a:avLst/>
@@ -4869,10 +5742,10 @@
       </p:pic>
       <p:sp>
         <p:nvSpPr>
-          <p:cNvPr id="3" name="TextBox 2">
-            <a:extLst>
-              <a:ext uri="{FF2B5EF4-FFF2-40B4-BE49-F238E27FC236}">
-                <a16:creationId xmlns:a16="http://schemas.microsoft.com/office/drawing/2014/main" id="{15AD56DE-E269-4D6F-8E14-94A955F0BD29}"/>
+          <p:cNvPr id="5" name="TextBox 4">
+            <a:extLst>
+              <a:ext uri="{FF2B5EF4-FFF2-40B4-BE49-F238E27FC236}">
+                <a16:creationId xmlns:a16="http://schemas.microsoft.com/office/drawing/2014/main" id="{9DC04224-5F6C-477C-B612-59D94EF37F16}"/>
               </a:ext>
             </a:extLst>
           </p:cNvPr>
@@ -4881,8 +5754,8 @@
         </p:nvSpPr>
         <p:spPr>
           <a:xfrm>
-            <a:off x="8700655" y="3131127"/>
-            <a:ext cx="2789546" cy="369332"/>
+            <a:off x="3095191" y="5378979"/>
+            <a:ext cx="5780750" cy="923330"/>
           </a:xfrm>
           <a:prstGeom prst="rect">
             <a:avLst/>
@@ -4896,8 +5769,33 @@
           <a:lstStyle/>
           <a:p>
             <a:r>
+              <a:rPr lang="en-US" altLang="ko-KR" dirty="0" err="1"/>
+              <a:t>print_r</a:t>
+            </a:r>
+            <a:r>
+              <a:rPr lang="en-US" altLang="ko-KR" dirty="0"/>
+              <a:t>(</a:t>
+            </a:r>
+            <a:r>
+              <a:rPr lang="en-US" altLang="ko-KR" dirty="0" err="1"/>
+              <a:t>get_defined_constants</a:t>
+            </a:r>
+            <a:r>
+              <a:rPr lang="en-US" altLang="ko-KR" dirty="0"/>
+              <a:t>());  </a:t>
+            </a:r>
+            <a:r>
               <a:rPr lang="ko-KR" altLang="en-US" dirty="0"/>
-              <a:t>중복해서 사용할 수 없다</a:t>
+              <a:t>모든 상수가 나온다</a:t>
+            </a:r>
+          </a:p>
+          <a:p>
+            <a:endParaRPr lang="en-US" altLang="ko-KR" dirty="0"/>
+          </a:p>
+          <a:p>
+            <a:r>
+              <a:rPr lang="ko-KR" altLang="en-US" dirty="0"/>
+              <a:t>미리 지정해둔 상수는 많다</a:t>
             </a:r>
             <a:r>
               <a:rPr lang="en-US" altLang="ko-KR" dirty="0"/>
@@ -4907,40 +5805,10 @@
           </a:p>
         </p:txBody>
       </p:sp>
-      <p:pic>
-        <p:nvPicPr>
-          <p:cNvPr id="4" name="그림 3">
-            <a:extLst>
-              <a:ext uri="{FF2B5EF4-FFF2-40B4-BE49-F238E27FC236}">
-                <a16:creationId xmlns:a16="http://schemas.microsoft.com/office/drawing/2014/main" id="{09AA4BAD-11FD-4B8B-AFAC-D8C2CD793234}"/>
-              </a:ext>
-            </a:extLst>
-          </p:cNvPr>
-          <p:cNvPicPr>
-            <a:picLocks noChangeAspect="1"/>
-          </p:cNvPicPr>
-          <p:nvPr/>
-        </p:nvPicPr>
-        <p:blipFill>
-          <a:blip r:embed="rId3"/>
-          <a:stretch>
-            <a:fillRect/>
-          </a:stretch>
-        </p:blipFill>
-        <p:spPr>
-          <a:xfrm>
-            <a:off x="489031" y="3131127"/>
-            <a:ext cx="3505200" cy="3705225"/>
-          </a:xfrm>
-          <a:prstGeom prst="rect">
-            <a:avLst/>
-          </a:prstGeom>
-        </p:spPr>
-      </p:pic>
     </p:spTree>
     <p:extLst>
       <p:ext uri="{BB962C8B-B14F-4D97-AF65-F5344CB8AC3E}">
-        <p14:creationId xmlns:p14="http://schemas.microsoft.com/office/powerpoint/2010/main" val="337464022"/>
+        <p14:creationId xmlns:p14="http://schemas.microsoft.com/office/powerpoint/2010/main" val="1044620118"/>
       </p:ext>
     </p:extLst>
   </p:cSld>
@@ -4972,7 +5840,7 @@
           <p:cNvPr id="2" name="그림 1">
             <a:extLst>
               <a:ext uri="{FF2B5EF4-FFF2-40B4-BE49-F238E27FC236}">
-                <a16:creationId xmlns:a16="http://schemas.microsoft.com/office/drawing/2014/main" id="{D78F11FE-5704-488A-8CE8-FF711489BFC5}"/>
+                <a16:creationId xmlns:a16="http://schemas.microsoft.com/office/drawing/2014/main" id="{EE889853-155F-4E3F-8ACA-369D2B12A09A}"/>
               </a:ext>
             </a:extLst>
           </p:cNvPr>
@@ -4989,8 +5857,8 @@
         </p:blipFill>
         <p:spPr>
           <a:xfrm>
-            <a:off x="-405114" y="0"/>
-            <a:ext cx="12192000" cy="5012061"/>
+            <a:off x="115410" y="21648"/>
+            <a:ext cx="7572529" cy="3142384"/>
           </a:xfrm>
           <a:prstGeom prst="rect">
             <a:avLst/>
@@ -5002,7 +5870,7 @@
           <p:cNvPr id="3" name="TextBox 2">
             <a:extLst>
               <a:ext uri="{FF2B5EF4-FFF2-40B4-BE49-F238E27FC236}">
-                <a16:creationId xmlns:a16="http://schemas.microsoft.com/office/drawing/2014/main" id="{647FC2B0-114A-464F-97E2-8B13C56F5803}"/>
+                <a16:creationId xmlns:a16="http://schemas.microsoft.com/office/drawing/2014/main" id="{15AD56DE-E269-4D6F-8E14-94A955F0BD29}"/>
               </a:ext>
             </a:extLst>
           </p:cNvPr>
@@ -5011,8 +5879,8 @@
         </p:nvSpPr>
         <p:spPr>
           <a:xfrm>
-            <a:off x="4398380" y="5139159"/>
-            <a:ext cx="4834978" cy="923330"/>
+            <a:off x="7848400" y="2664141"/>
+            <a:ext cx="2789546" cy="369332"/>
           </a:xfrm>
           <a:prstGeom prst="rect">
             <a:avLst/>
@@ -5027,60 +5895,50 @@
           <a:p>
             <a:r>
               <a:rPr lang="ko-KR" altLang="en-US" dirty="0"/>
-              <a:t>파일을 읽어서 사용 할 수 있다</a:t>
+              <a:t>중복해서 사용할 수 없다</a:t>
             </a:r>
             <a:r>
               <a:rPr lang="en-US" altLang="ko-KR" dirty="0"/>
               <a:t>.</a:t>
             </a:r>
-          </a:p>
-          <a:p>
-            <a:endParaRPr lang="en-US" altLang="ko-KR" dirty="0"/>
-          </a:p>
-          <a:p>
-            <a:r>
-              <a:rPr lang="en-US" altLang="ko-KR" dirty="0"/>
-              <a:t>{{{</a:t>
-            </a:r>
-            <a:r>
-              <a:rPr lang="en-US" altLang="ko-KR" dirty="0" err="1"/>
-              <a:t>daelim</a:t>
-            </a:r>
-            <a:r>
-              <a:rPr lang="en-US" altLang="ko-KR" dirty="0"/>
-              <a:t>}}}</a:t>
-            </a:r>
-            <a:r>
-              <a:rPr lang="ko-KR" altLang="en-US" dirty="0"/>
-              <a:t> </a:t>
-            </a:r>
-            <a:r>
-              <a:rPr lang="ko-KR" altLang="en-US" dirty="0" err="1"/>
-              <a:t>이중중괄호</a:t>
-            </a:r>
-            <a:r>
-              <a:rPr lang="ko-KR" altLang="en-US" dirty="0"/>
-              <a:t> </a:t>
-            </a:r>
-            <a:r>
-              <a:rPr lang="ko-KR" altLang="en-US" dirty="0" err="1"/>
-              <a:t>워시태그라고</a:t>
-            </a:r>
-            <a:r>
-              <a:rPr lang="ko-KR" altLang="en-US" dirty="0"/>
-              <a:t> 부른다</a:t>
-            </a:r>
-            <a:r>
-              <a:rPr lang="en-US" altLang="ko-KR" dirty="0"/>
-              <a:t>.</a:t>
-            </a:r>
-          </a:p>
-        </p:txBody>
-      </p:sp>
+            <a:endParaRPr lang="ko-KR" altLang="en-US" dirty="0"/>
+          </a:p>
+        </p:txBody>
+      </p:sp>
+      <p:pic>
+        <p:nvPicPr>
+          <p:cNvPr id="4" name="그림 3">
+            <a:extLst>
+              <a:ext uri="{FF2B5EF4-FFF2-40B4-BE49-F238E27FC236}">
+                <a16:creationId xmlns:a16="http://schemas.microsoft.com/office/drawing/2014/main" id="{09AA4BAD-11FD-4B8B-AFAC-D8C2CD793234}"/>
+              </a:ext>
+            </a:extLst>
+          </p:cNvPr>
+          <p:cNvPicPr>
+            <a:picLocks noChangeAspect="1"/>
+          </p:cNvPicPr>
+          <p:nvPr/>
+        </p:nvPicPr>
+        <p:blipFill>
+          <a:blip r:embed="rId3"/>
+          <a:stretch>
+            <a:fillRect/>
+          </a:stretch>
+        </p:blipFill>
+        <p:spPr>
+          <a:xfrm>
+            <a:off x="613318" y="3033473"/>
+            <a:ext cx="3505200" cy="3705225"/>
+          </a:xfrm>
+          <a:prstGeom prst="rect">
+            <a:avLst/>
+          </a:prstGeom>
+        </p:spPr>
+      </p:pic>
     </p:spTree>
     <p:extLst>
       <p:ext uri="{BB962C8B-B14F-4D97-AF65-F5344CB8AC3E}">
-        <p14:creationId xmlns:p14="http://schemas.microsoft.com/office/powerpoint/2010/main" val="723310760"/>
+        <p14:creationId xmlns:p14="http://schemas.microsoft.com/office/powerpoint/2010/main" val="337464022"/>
       </p:ext>
     </p:extLst>
   </p:cSld>
